--- a/src/ELKO.pptx
+++ b/src/ELKO.pptx
@@ -6,13 +6,15 @@
   </p:sldMasterIdLst>
   <p:sldIdLst>
     <p:sldId id="256" r:id="rId2"/>
-    <p:sldId id="257" r:id="rId3"/>
-    <p:sldId id="265" r:id="rId4"/>
-    <p:sldId id="262" r:id="rId5"/>
-    <p:sldId id="258" r:id="rId6"/>
-    <p:sldId id="260" r:id="rId7"/>
-    <p:sldId id="261" r:id="rId8"/>
-    <p:sldId id="264" r:id="rId9"/>
+    <p:sldId id="268" r:id="rId3"/>
+    <p:sldId id="257" r:id="rId4"/>
+    <p:sldId id="265" r:id="rId5"/>
+    <p:sldId id="260" r:id="rId6"/>
+    <p:sldId id="258" r:id="rId7"/>
+    <p:sldId id="262" r:id="rId8"/>
+    <p:sldId id="261" r:id="rId9"/>
+    <p:sldId id="266" r:id="rId10"/>
+    <p:sldId id="264" r:id="rId11"/>
   </p:sldIdLst>
   <p:sldSz cx="9144000" cy="6858000" type="screen4x3"/>
   <p:notesSz cx="6858000" cy="9144000"/>
@@ -257,7 +259,8 @@
           <a:p>
             <a:fld id="{D46295B9-7A1D-4035-A87C-08298E0DE86B}" type="datetimeFigureOut">
               <a:rPr lang="de-DE" smtClean="0"/>
-              <a:t>06.07.2019</a:t>
+              <a:pPr/>
+              <a:t>15.07.2019</a:t>
             </a:fld>
             <a:endParaRPr lang="de-DE"/>
           </a:p>
@@ -309,6 +312,7 @@
           <a:p>
             <a:fld id="{91C24538-682D-4F9E-A741-C28C941484E8}" type="slidenum">
               <a:rPr lang="de-DE" smtClean="0"/>
+              <a:pPr/>
               <a:t>‹Nr.›</a:t>
             </a:fld>
             <a:endParaRPr lang="de-DE"/>
@@ -616,7 +620,8 @@
           <a:p>
             <a:fld id="{D46295B9-7A1D-4035-A87C-08298E0DE86B}" type="datetimeFigureOut">
               <a:rPr lang="de-DE" smtClean="0"/>
-              <a:t>06.07.2019</a:t>
+              <a:pPr/>
+              <a:t>15.07.2019</a:t>
             </a:fld>
             <a:endParaRPr lang="de-DE"/>
           </a:p>
@@ -658,6 +663,7 @@
           <a:p>
             <a:fld id="{91C24538-682D-4F9E-A741-C28C941484E8}" type="slidenum">
               <a:rPr lang="de-DE" smtClean="0"/>
+              <a:pPr/>
               <a:t>‹Nr.›</a:t>
             </a:fld>
             <a:endParaRPr lang="de-DE"/>
@@ -791,7 +797,8 @@
           <a:p>
             <a:fld id="{D46295B9-7A1D-4035-A87C-08298E0DE86B}" type="datetimeFigureOut">
               <a:rPr lang="de-DE" smtClean="0"/>
-              <a:t>06.07.2019</a:t>
+              <a:pPr/>
+              <a:t>15.07.2019</a:t>
             </a:fld>
             <a:endParaRPr lang="de-DE"/>
           </a:p>
@@ -833,6 +840,7 @@
           <a:p>
             <a:fld id="{91C24538-682D-4F9E-A741-C28C941484E8}" type="slidenum">
               <a:rPr lang="de-DE" smtClean="0"/>
+              <a:pPr/>
               <a:t>‹Nr.›</a:t>
             </a:fld>
             <a:endParaRPr lang="de-DE"/>
@@ -1026,7 +1034,8 @@
           <a:p>
             <a:fld id="{D46295B9-7A1D-4035-A87C-08298E0DE86B}" type="datetimeFigureOut">
               <a:rPr lang="de-DE" smtClean="0"/>
-              <a:t>06.07.2019</a:t>
+              <a:pPr/>
+              <a:t>15.07.2019</a:t>
             </a:fld>
             <a:endParaRPr lang="de-DE"/>
           </a:p>
@@ -1068,6 +1077,7 @@
           <a:p>
             <a:fld id="{91C24538-682D-4F9E-A741-C28C941484E8}" type="slidenum">
               <a:rPr lang="de-DE" smtClean="0"/>
+              <a:pPr/>
               <a:t>‹Nr.›</a:t>
             </a:fld>
             <a:endParaRPr lang="de-DE"/>
@@ -1295,7 +1305,8 @@
           <a:p>
             <a:fld id="{D46295B9-7A1D-4035-A87C-08298E0DE86B}" type="datetimeFigureOut">
               <a:rPr lang="de-DE" smtClean="0"/>
-              <a:t>06.07.2019</a:t>
+              <a:pPr/>
+              <a:t>15.07.2019</a:t>
             </a:fld>
             <a:endParaRPr lang="de-DE"/>
           </a:p>
@@ -1347,6 +1358,7 @@
           <a:p>
             <a:fld id="{91C24538-682D-4F9E-A741-C28C941484E8}" type="slidenum">
               <a:rPr lang="de-DE" smtClean="0"/>
+              <a:pPr/>
               <a:t>‹Nr.›</a:t>
             </a:fld>
             <a:endParaRPr lang="de-DE"/>
@@ -1515,7 +1527,8 @@
           <a:p>
             <a:fld id="{D46295B9-7A1D-4035-A87C-08298E0DE86B}" type="datetimeFigureOut">
               <a:rPr lang="de-DE" smtClean="0"/>
-              <a:t>06.07.2019</a:t>
+              <a:pPr/>
+              <a:t>15.07.2019</a:t>
             </a:fld>
             <a:endParaRPr lang="de-DE"/>
           </a:p>
@@ -1557,6 +1570,7 @@
           <a:p>
             <a:fld id="{91C24538-682D-4F9E-A741-C28C941484E8}" type="slidenum">
               <a:rPr lang="de-DE" smtClean="0"/>
+              <a:pPr/>
               <a:t>‹Nr.›</a:t>
             </a:fld>
             <a:endParaRPr lang="de-DE"/>
@@ -1867,7 +1881,8 @@
           <a:p>
             <a:fld id="{D46295B9-7A1D-4035-A87C-08298E0DE86B}" type="datetimeFigureOut">
               <a:rPr lang="de-DE" smtClean="0"/>
-              <a:t>06.07.2019</a:t>
+              <a:pPr/>
+              <a:t>15.07.2019</a:t>
             </a:fld>
             <a:endParaRPr lang="de-DE"/>
           </a:p>
@@ -1909,6 +1924,7 @@
           <a:p>
             <a:fld id="{91C24538-682D-4F9E-A741-C28C941484E8}" type="slidenum">
               <a:rPr lang="de-DE" smtClean="0"/>
+              <a:pPr/>
               <a:t>‹Nr.›</a:t>
             </a:fld>
             <a:endParaRPr lang="de-DE"/>
@@ -2099,7 +2115,8 @@
           <a:p>
             <a:fld id="{D46295B9-7A1D-4035-A87C-08298E0DE86B}" type="datetimeFigureOut">
               <a:rPr lang="de-DE" smtClean="0"/>
-              <a:t>06.07.2019</a:t>
+              <a:pPr/>
+              <a:t>15.07.2019</a:t>
             </a:fld>
             <a:endParaRPr lang="de-DE"/>
           </a:p>
@@ -2141,6 +2158,7 @@
           <a:p>
             <a:fld id="{91C24538-682D-4F9E-A741-C28C941484E8}" type="slidenum">
               <a:rPr lang="de-DE" smtClean="0"/>
+              <a:pPr/>
               <a:t>‹Nr.›</a:t>
             </a:fld>
             <a:endParaRPr lang="de-DE"/>
@@ -2239,7 +2257,8 @@
           <a:p>
             <a:fld id="{D46295B9-7A1D-4035-A87C-08298E0DE86B}" type="datetimeFigureOut">
               <a:rPr lang="de-DE" smtClean="0"/>
-              <a:t>06.07.2019</a:t>
+              <a:pPr/>
+              <a:t>15.07.2019</a:t>
             </a:fld>
             <a:endParaRPr lang="de-DE"/>
           </a:p>
@@ -2281,6 +2300,7 @@
           <a:p>
             <a:fld id="{91C24538-682D-4F9E-A741-C28C941484E8}" type="slidenum">
               <a:rPr lang="de-DE" smtClean="0"/>
+              <a:pPr/>
               <a:t>‹Nr.›</a:t>
             </a:fld>
             <a:endParaRPr lang="de-DE"/>
@@ -2516,7 +2536,8 @@
           <a:p>
             <a:fld id="{D46295B9-7A1D-4035-A87C-08298E0DE86B}" type="datetimeFigureOut">
               <a:rPr lang="de-DE" smtClean="0"/>
-              <a:t>06.07.2019</a:t>
+              <a:pPr/>
+              <a:t>15.07.2019</a:t>
             </a:fld>
             <a:endParaRPr lang="de-DE"/>
           </a:p>
@@ -2558,6 +2579,7 @@
           <a:p>
             <a:fld id="{91C24538-682D-4F9E-A741-C28C941484E8}" type="slidenum">
               <a:rPr lang="de-DE" smtClean="0"/>
+              <a:pPr/>
               <a:t>‹Nr.›</a:t>
             </a:fld>
             <a:endParaRPr lang="de-DE"/>
@@ -2923,7 +2945,8 @@
           <a:p>
             <a:fld id="{D46295B9-7A1D-4035-A87C-08298E0DE86B}" type="datetimeFigureOut">
               <a:rPr lang="de-DE" smtClean="0"/>
-              <a:t>06.07.2019</a:t>
+              <a:pPr/>
+              <a:t>15.07.2019</a:t>
             </a:fld>
             <a:endParaRPr lang="de-DE"/>
           </a:p>
@@ -2965,6 +2988,7 @@
           <a:p>
             <a:fld id="{91C24538-682D-4F9E-A741-C28C941484E8}" type="slidenum">
               <a:rPr lang="de-DE" smtClean="0"/>
+              <a:pPr/>
               <a:t>‹Nr.›</a:t>
             </a:fld>
             <a:endParaRPr lang="de-DE"/>
@@ -3261,7 +3285,8 @@
           <a:p>
             <a:fld id="{D46295B9-7A1D-4035-A87C-08298E0DE86B}" type="datetimeFigureOut">
               <a:rPr lang="de-DE" smtClean="0"/>
-              <a:t>06.07.2019</a:t>
+              <a:pPr/>
+              <a:t>15.07.2019</a:t>
             </a:fld>
             <a:endParaRPr lang="de-DE"/>
           </a:p>
@@ -3335,6 +3360,7 @@
           <a:p>
             <a:fld id="{91C24538-682D-4F9E-A741-C28C941484E8}" type="slidenum">
               <a:rPr lang="de-DE" smtClean="0"/>
+              <a:pPr/>
               <a:t>‹Nr.›</a:t>
             </a:fld>
             <a:endParaRPr lang="de-DE"/>
@@ -3868,16 +3894,7 @@
                 </a:solidFill>
                 <a:latin typeface="+mj-lt"/>
               </a:rPr>
-              <a:t>Von Lukas Dahl, </a:t>
-            </a:r>
-            <a:r>
-              <a:rPr lang="de-DE" sz="1200" dirty="0" smtClean="0">
-                <a:solidFill>
-                  <a:schemeClr val="tx2"/>
-                </a:solidFill>
-                <a:latin typeface="+mj-lt"/>
-              </a:rPr>
-              <a:t>Rebecca </a:t>
+              <a:t>Von Lukas Dahl, Rebecca </a:t>
             </a:r>
             <a:r>
               <a:rPr lang="de-DE" sz="1200" dirty="0" err="1" smtClean="0">
@@ -3895,16 +3912,7 @@
                 </a:solidFill>
                 <a:latin typeface="+mj-lt"/>
               </a:rPr>
-              <a:t> </a:t>
-            </a:r>
-            <a:r>
-              <a:rPr lang="de-DE" sz="1200" dirty="0" smtClean="0">
-                <a:solidFill>
-                  <a:schemeClr val="tx2"/>
-                </a:solidFill>
-                <a:latin typeface="+mj-lt"/>
-              </a:rPr>
-              <a:t>und </a:t>
+              <a:t> und </a:t>
             </a:r>
             <a:r>
               <a:rPr lang="de-DE" sz="1200" dirty="0" err="1" smtClean="0">
@@ -3930,6 +3938,94 @@
               </a:solidFill>
               <a:latin typeface="+mj-lt"/>
             </a:endParaRPr>
+          </a:p>
+        </p:txBody>
+      </p:sp>
+    </p:spTree>
+  </p:cSld>
+  <p:clrMapOvr>
+    <a:masterClrMapping/>
+  </p:clrMapOvr>
+  <p:timing>
+    <p:tnLst>
+      <p:par>
+        <p:cTn id="1" dur="indefinite" restart="never" nodeType="tmRoot"/>
+      </p:par>
+    </p:tnLst>
+  </p:timing>
+</p:sld>
+</file>
+
+<file path=ppt/slides/slide10.xml><?xml version="1.0" encoding="utf-8"?>
+<p:sld xmlns:a="http://schemas.openxmlformats.org/drawingml/2006/main" xmlns:r="http://schemas.openxmlformats.org/officeDocument/2006/relationships" xmlns:p="http://schemas.openxmlformats.org/presentationml/2006/main">
+  <p:cSld>
+    <p:spTree>
+      <p:nvGrpSpPr>
+        <p:cNvPr id="1" name=""/>
+        <p:cNvGrpSpPr/>
+        <p:nvPr/>
+      </p:nvGrpSpPr>
+      <p:grpSpPr>
+        <a:xfrm>
+          <a:off x="0" y="0"/>
+          <a:ext cx="0" cy="0"/>
+          <a:chOff x="0" y="0"/>
+          <a:chExt cx="0" cy="0"/>
+        </a:xfrm>
+      </p:grpSpPr>
+      <p:pic>
+        <p:nvPicPr>
+          <p:cNvPr id="17410" name="Picture 2" descr="D:\Eigene Dokumente\Dokumente\Studium_TH\Mein\GitMeinNeu\ELKOnew\src\Pictos\Floskeln\Danke.png"/>
+          <p:cNvPicPr>
+            <a:picLocks noChangeAspect="1" noChangeArrowheads="1"/>
+          </p:cNvPicPr>
+          <p:nvPr/>
+        </p:nvPicPr>
+        <p:blipFill>
+          <a:blip r:embed="rId2" cstate="print"/>
+          <a:srcRect/>
+          <a:stretch>
+            <a:fillRect/>
+          </a:stretch>
+        </p:blipFill>
+        <p:spPr bwMode="auto">
+          <a:xfrm>
+            <a:off x="3203848" y="1772816"/>
+            <a:ext cx="2695575" cy="2695575"/>
+          </a:xfrm>
+          <a:prstGeom prst="rect">
+            <a:avLst/>
+          </a:prstGeom>
+          <a:noFill/>
+        </p:spPr>
+      </p:pic>
+      <p:sp>
+        <p:nvSpPr>
+          <p:cNvPr id="5" name="Textfeld 4"/>
+          <p:cNvSpPr txBox="1"/>
+          <p:nvPr/>
+        </p:nvSpPr>
+        <p:spPr>
+          <a:xfrm>
+            <a:off x="3851920" y="4581128"/>
+            <a:ext cx="1440160" cy="646331"/>
+          </a:xfrm>
+          <a:prstGeom prst="rect">
+            <a:avLst/>
+          </a:prstGeom>
+          <a:noFill/>
+        </p:spPr>
+        <p:txBody>
+          <a:bodyPr wrap="square" rtlCol="0">
+            <a:spAutoFit/>
+          </a:bodyPr>
+          <a:lstStyle/>
+          <a:p>
+            <a:r>
+              <a:rPr lang="de-DE" sz="3600" dirty="0" smtClean="0"/>
+              <a:t>Danke</a:t>
+            </a:r>
+            <a:endParaRPr lang="de-DE" sz="3600" dirty="0"/>
           </a:p>
         </p:txBody>
       </p:sp>
@@ -3975,43 +4071,379 @@
           <a:p>
             <a:r>
               <a:rPr lang="de-DE" dirty="0" smtClean="0"/>
-              <a:t>Die Kölner Kommunikationstafel</a:t>
+              <a:t>Kölner Kern- und Randvokabular</a:t>
             </a:r>
             <a:endParaRPr lang="de-DE" dirty="0"/>
           </a:p>
         </p:txBody>
       </p:sp>
-      <p:pic>
-        <p:nvPicPr>
-          <p:cNvPr id="13316" name="Picture 4" descr="https://shop.fbz-koeln.de/wp-content/uploads/2017/08/A1_deutsch_Metacom_1.jpg"/>
-          <p:cNvPicPr>
-            <a:picLocks noChangeAspect="1" noChangeArrowheads="1"/>
-          </p:cNvPicPr>
-          <p:nvPr/>
-        </p:nvPicPr>
-        <p:blipFill>
-          <a:blip r:embed="rId2" cstate="print"/>
-          <a:srcRect/>
-          <a:stretch>
-            <a:fillRect/>
-          </a:stretch>
-        </p:blipFill>
-        <p:spPr bwMode="auto">
-          <a:xfrm>
-            <a:off x="285532" y="1114347"/>
-            <a:ext cx="8390924" cy="5915053"/>
+      <p:sp>
+        <p:nvSpPr>
+          <p:cNvPr id="4" name="Ellipse 3"/>
+          <p:cNvSpPr/>
+          <p:nvPr/>
+        </p:nvSpPr>
+        <p:spPr>
+          <a:xfrm>
+            <a:off x="107504" y="1413256"/>
+            <a:ext cx="4320000" cy="4320000"/>
+          </a:xfrm>
+          <a:prstGeom prst="ellipse">
+            <a:avLst/>
+          </a:prstGeom>
+        </p:spPr>
+        <p:style>
+          <a:lnRef idx="2">
+            <a:schemeClr val="accent2">
+              <a:shade val="50000"/>
+            </a:schemeClr>
+          </a:lnRef>
+          <a:fillRef idx="1">
+            <a:schemeClr val="accent2"/>
+          </a:fillRef>
+          <a:effectRef idx="0">
+            <a:schemeClr val="accent2"/>
+          </a:effectRef>
+          <a:fontRef idx="minor">
+            <a:schemeClr val="lt1"/>
+          </a:fontRef>
+        </p:style>
+        <p:txBody>
+          <a:bodyPr rtlCol="0" anchor="ctr"/>
+          <a:lstStyle/>
+          <a:p>
+            <a:pPr algn="ctr"/>
+            <a:endParaRPr lang="de-DE"/>
+          </a:p>
+        </p:txBody>
+      </p:sp>
+      <p:sp>
+        <p:nvSpPr>
+          <p:cNvPr id="6" name="Ellipse 5"/>
+          <p:cNvSpPr/>
+          <p:nvPr/>
+        </p:nvSpPr>
+        <p:spPr>
+          <a:xfrm>
+            <a:off x="4644488" y="1412776"/>
+            <a:ext cx="4320000" cy="4320000"/>
+          </a:xfrm>
+          <a:prstGeom prst="ellipse">
+            <a:avLst/>
+          </a:prstGeom>
+          <a:ln/>
+        </p:spPr>
+        <p:style>
+          <a:lnRef idx="2">
+            <a:schemeClr val="accent3">
+              <a:shade val="50000"/>
+            </a:schemeClr>
+          </a:lnRef>
+          <a:fillRef idx="1">
+            <a:schemeClr val="accent3"/>
+          </a:fillRef>
+          <a:effectRef idx="0">
+            <a:schemeClr val="accent3"/>
+          </a:effectRef>
+          <a:fontRef idx="minor">
+            <a:schemeClr val="lt1"/>
+          </a:fontRef>
+        </p:style>
+        <p:txBody>
+          <a:bodyPr rtlCol="0" anchor="ctr"/>
+          <a:lstStyle/>
+          <a:p>
+            <a:pPr algn="ctr"/>
+            <a:endParaRPr lang="de-DE"/>
+          </a:p>
+        </p:txBody>
+      </p:sp>
+      <p:sp>
+        <p:nvSpPr>
+          <p:cNvPr id="7" name="Textfeld 6"/>
+          <p:cNvSpPr txBox="1"/>
+          <p:nvPr/>
+        </p:nvSpPr>
+        <p:spPr>
+          <a:xfrm>
+            <a:off x="1115616" y="2033944"/>
+            <a:ext cx="2592288" cy="523220"/>
           </a:xfrm>
           <a:prstGeom prst="rect">
             <a:avLst/>
           </a:prstGeom>
           <a:noFill/>
         </p:spPr>
-      </p:pic>
+        <p:txBody>
+          <a:bodyPr wrap="square" rtlCol="0">
+            <a:spAutoFit/>
+          </a:bodyPr>
+          <a:lstStyle/>
+          <a:p>
+            <a:r>
+              <a:rPr lang="de-DE" sz="2800" u="sng" dirty="0" smtClean="0"/>
+              <a:t>Kernvokabular</a:t>
+            </a:r>
+            <a:endParaRPr lang="de-DE" sz="2800" u="sng" dirty="0"/>
+          </a:p>
+        </p:txBody>
+      </p:sp>
+      <p:sp>
+        <p:nvSpPr>
+          <p:cNvPr id="9" name="Textfeld 8"/>
+          <p:cNvSpPr txBox="1"/>
+          <p:nvPr/>
+        </p:nvSpPr>
+        <p:spPr>
+          <a:xfrm>
+            <a:off x="5652120" y="2060368"/>
+            <a:ext cx="2592288" cy="523220"/>
+          </a:xfrm>
+          <a:prstGeom prst="rect">
+            <a:avLst/>
+          </a:prstGeom>
+          <a:noFill/>
+        </p:spPr>
+        <p:txBody>
+          <a:bodyPr wrap="square" rtlCol="0">
+            <a:spAutoFit/>
+          </a:bodyPr>
+          <a:lstStyle/>
+          <a:p>
+            <a:r>
+              <a:rPr lang="de-DE" sz="2800" u="sng" dirty="0" smtClean="0"/>
+              <a:t>Randvokabular</a:t>
+            </a:r>
+            <a:endParaRPr lang="de-DE" sz="2800" u="sng" dirty="0"/>
+          </a:p>
+        </p:txBody>
+      </p:sp>
+      <p:sp>
+        <p:nvSpPr>
+          <p:cNvPr id="10" name="Textfeld 9"/>
+          <p:cNvSpPr txBox="1"/>
+          <p:nvPr/>
+        </p:nvSpPr>
+        <p:spPr>
+          <a:xfrm>
+            <a:off x="899592" y="3114064"/>
+            <a:ext cx="3384376" cy="369332"/>
+          </a:xfrm>
+          <a:prstGeom prst="rect">
+            <a:avLst/>
+          </a:prstGeom>
+          <a:noFill/>
+        </p:spPr>
+        <p:txBody>
+          <a:bodyPr wrap="square" rtlCol="0">
+            <a:spAutoFit/>
+          </a:bodyPr>
+          <a:lstStyle/>
+          <a:p>
+            <a:r>
+              <a:rPr lang="de-DE" dirty="0" smtClean="0"/>
+              <a:t>200-300 häufigsten Wörter</a:t>
+            </a:r>
+            <a:endParaRPr lang="de-DE" dirty="0"/>
+          </a:p>
+        </p:txBody>
+      </p:sp>
+      <p:sp>
+        <p:nvSpPr>
+          <p:cNvPr id="11" name="Textfeld 10"/>
+          <p:cNvSpPr txBox="1"/>
+          <p:nvPr/>
+        </p:nvSpPr>
+        <p:spPr>
+          <a:xfrm>
+            <a:off x="467544" y="4122176"/>
+            <a:ext cx="2448272" cy="369332"/>
+          </a:xfrm>
+          <a:prstGeom prst="rect">
+            <a:avLst/>
+          </a:prstGeom>
+          <a:noFill/>
+        </p:spPr>
+        <p:txBody>
+          <a:bodyPr wrap="square" rtlCol="0">
+            <a:spAutoFit/>
+          </a:bodyPr>
+          <a:lstStyle/>
+          <a:p>
+            <a:r>
+              <a:rPr lang="de-DE" dirty="0" smtClean="0"/>
+              <a:t>80% des Gesagten</a:t>
+            </a:r>
+            <a:endParaRPr lang="de-DE" dirty="0"/>
+          </a:p>
+        </p:txBody>
+      </p:sp>
+      <p:sp>
+        <p:nvSpPr>
+          <p:cNvPr id="12" name="Textfeld 11"/>
+          <p:cNvSpPr txBox="1"/>
+          <p:nvPr/>
+        </p:nvSpPr>
+        <p:spPr>
+          <a:xfrm>
+            <a:off x="2627784" y="4410208"/>
+            <a:ext cx="1728192" cy="646331"/>
+          </a:xfrm>
+          <a:prstGeom prst="rect">
+            <a:avLst/>
+          </a:prstGeom>
+          <a:noFill/>
+        </p:spPr>
+        <p:txBody>
+          <a:bodyPr wrap="square" rtlCol="0">
+            <a:spAutoFit/>
+          </a:bodyPr>
+          <a:lstStyle/>
+          <a:p>
+            <a:r>
+              <a:rPr lang="de-DE" dirty="0" smtClean="0"/>
+              <a:t>vermittelt Struktur</a:t>
+            </a:r>
+            <a:endParaRPr lang="de-DE" dirty="0"/>
+          </a:p>
+        </p:txBody>
+      </p:sp>
+      <p:sp>
+        <p:nvSpPr>
+          <p:cNvPr id="15" name="Textfeld 14"/>
+          <p:cNvSpPr txBox="1"/>
+          <p:nvPr/>
+        </p:nvSpPr>
+        <p:spPr>
+          <a:xfrm>
+            <a:off x="5220072" y="4004584"/>
+            <a:ext cx="2088232" cy="369332"/>
+          </a:xfrm>
+          <a:prstGeom prst="rect">
+            <a:avLst/>
+          </a:prstGeom>
+          <a:noFill/>
+        </p:spPr>
+        <p:txBody>
+          <a:bodyPr wrap="square" rtlCol="0">
+            <a:spAutoFit/>
+          </a:bodyPr>
+          <a:lstStyle/>
+          <a:p>
+            <a:r>
+              <a:rPr lang="de-DE" dirty="0" smtClean="0"/>
+              <a:t>20% des Gesagten</a:t>
+            </a:r>
+            <a:endParaRPr lang="de-DE" dirty="0"/>
+          </a:p>
+        </p:txBody>
+      </p:sp>
+      <p:sp>
+        <p:nvSpPr>
+          <p:cNvPr id="16" name="Textfeld 15"/>
+          <p:cNvSpPr txBox="1"/>
+          <p:nvPr/>
+        </p:nvSpPr>
+        <p:spPr>
+          <a:xfrm>
+            <a:off x="6588224" y="4724664"/>
+            <a:ext cx="1440160" cy="646331"/>
+          </a:xfrm>
+          <a:prstGeom prst="rect">
+            <a:avLst/>
+          </a:prstGeom>
+          <a:noFill/>
+        </p:spPr>
+        <p:txBody>
+          <a:bodyPr wrap="square" rtlCol="0">
+            <a:spAutoFit/>
+          </a:bodyPr>
+          <a:lstStyle/>
+          <a:p>
+            <a:r>
+              <a:rPr lang="de-DE" dirty="0" smtClean="0"/>
+              <a:t>v</a:t>
+            </a:r>
+            <a:r>
+              <a:rPr lang="de-DE" dirty="0" smtClean="0"/>
+              <a:t>ermittelt Inhalt</a:t>
+            </a:r>
+            <a:endParaRPr lang="de-DE" dirty="0"/>
+          </a:p>
+        </p:txBody>
+      </p:sp>
+      <p:sp>
+        <p:nvSpPr>
+          <p:cNvPr id="17" name="Textfeld 16"/>
+          <p:cNvSpPr txBox="1"/>
+          <p:nvPr/>
+        </p:nvSpPr>
+        <p:spPr>
+          <a:xfrm>
+            <a:off x="2195736" y="3690128"/>
+            <a:ext cx="1800200" cy="369332"/>
+          </a:xfrm>
+          <a:prstGeom prst="rect">
+            <a:avLst/>
+          </a:prstGeom>
+          <a:noFill/>
+        </p:spPr>
+        <p:txBody>
+          <a:bodyPr wrap="square" rtlCol="0">
+            <a:spAutoFit/>
+          </a:bodyPr>
+          <a:lstStyle/>
+          <a:p>
+            <a:r>
+              <a:rPr lang="de-DE" dirty="0" smtClean="0"/>
+              <a:t>„kleine Wörter“</a:t>
+            </a:r>
+            <a:endParaRPr lang="de-DE" dirty="0"/>
+          </a:p>
+        </p:txBody>
+      </p:sp>
+      <p:sp>
+        <p:nvSpPr>
+          <p:cNvPr id="18" name="Textfeld 17"/>
+          <p:cNvSpPr txBox="1"/>
+          <p:nvPr/>
+        </p:nvSpPr>
+        <p:spPr>
+          <a:xfrm>
+            <a:off x="5508104" y="3140488"/>
+            <a:ext cx="3168352" cy="369332"/>
+          </a:xfrm>
+          <a:prstGeom prst="rect">
+            <a:avLst/>
+          </a:prstGeom>
+          <a:noFill/>
+        </p:spPr>
+        <p:txBody>
+          <a:bodyPr wrap="square" rtlCol="0">
+            <a:spAutoFit/>
+          </a:bodyPr>
+          <a:lstStyle/>
+          <a:p>
+            <a:r>
+              <a:rPr lang="de-DE" dirty="0" smtClean="0"/>
+              <a:t>Verben, Substative, Adjektive, …</a:t>
+            </a:r>
+            <a:endParaRPr lang="de-DE" dirty="0"/>
+          </a:p>
+        </p:txBody>
+      </p:sp>
     </p:spTree>
   </p:cSld>
   <p:clrMapOvr>
     <a:masterClrMapping/>
   </p:clrMapOvr>
+  <p:timing>
+    <p:tnLst>
+      <p:par>
+        <p:cTn id="1" dur="indefinite" restart="never" nodeType="tmRoot"/>
+      </p:par>
+    </p:tnLst>
+  </p:timing>
 </p:sld>
 </file>
 
@@ -4049,103 +4481,15 @@
           <a:p>
             <a:r>
               <a:rPr lang="de-DE" dirty="0" smtClean="0"/>
-              <a:t>Warum eine Kommunikationstafel?</a:t>
+              <a:t>Die Kölner Kommunikationstafel</a:t>
             </a:r>
             <a:endParaRPr lang="de-DE" dirty="0"/>
-          </a:p>
-        </p:txBody>
-      </p:sp>
-      <p:sp>
-        <p:nvSpPr>
-          <p:cNvPr id="3" name="Inhaltsplatzhalter 2"/>
-          <p:cNvSpPr>
-            <a:spLocks noGrp="1"/>
-          </p:cNvSpPr>
-          <p:nvPr>
-            <p:ph sz="quarter" idx="1"/>
-          </p:nvPr>
-        </p:nvSpPr>
-        <p:spPr/>
-        <p:txBody>
-          <a:bodyPr/>
-          <a:lstStyle/>
-          <a:p>
-            <a:r>
-              <a:rPr lang="de-DE" dirty="0" smtClean="0"/>
-              <a:t>Für Menschen, die… </a:t>
-            </a:r>
-          </a:p>
-          <a:p>
-            <a:pPr lvl="1"/>
-            <a:r>
-              <a:rPr lang="de-DE" dirty="0" smtClean="0"/>
-              <a:t>dauerhaft nicht über Lautsprache kommunizieren können</a:t>
-            </a:r>
-          </a:p>
-          <a:p>
-            <a:pPr lvl="1"/>
-            <a:r>
-              <a:rPr lang="de-DE" dirty="0" smtClean="0"/>
-              <a:t>für begrenzte Zeit nicht </a:t>
-            </a:r>
-            <a:r>
-              <a:rPr lang="de-DE" dirty="0" smtClean="0"/>
-              <a:t>über Lautsprache </a:t>
-            </a:r>
-            <a:r>
-              <a:rPr lang="de-DE" dirty="0" smtClean="0"/>
-              <a:t>kommunizieren können</a:t>
-            </a:r>
-          </a:p>
-          <a:p>
-            <a:pPr lvl="1"/>
-            <a:r>
-              <a:rPr lang="de-DE" dirty="0" smtClean="0"/>
-              <a:t>die deutsche Sprache (noch) nicht sprechen</a:t>
-            </a:r>
-          </a:p>
-          <a:p>
-            <a:pPr lvl="1">
-              <a:buNone/>
-            </a:pPr>
-            <a:r>
-              <a:rPr lang="de-DE" dirty="0" smtClean="0"/>
-              <a:t>				</a:t>
-            </a:r>
-            <a:r>
-              <a:rPr lang="de-DE" dirty="0" smtClean="0">
-                <a:solidFill>
-                  <a:srgbClr val="C00000"/>
-                </a:solidFill>
-              </a:rPr>
-              <a:t>UND</a:t>
-            </a:r>
-            <a:endParaRPr lang="de-DE" dirty="0" smtClean="0">
-              <a:solidFill>
-                <a:srgbClr val="C00000"/>
-              </a:solidFill>
-            </a:endParaRPr>
-          </a:p>
-          <a:p>
-            <a:pPr lvl="1"/>
-            <a:r>
-              <a:rPr lang="de-DE" dirty="0" smtClean="0"/>
-              <a:t>die </a:t>
-            </a:r>
-            <a:r>
-              <a:rPr lang="de-DE" dirty="0" smtClean="0"/>
-              <a:t>Schriftsprache nicht (ausreichend) beherrschen</a:t>
-            </a:r>
-          </a:p>
-          <a:p>
-            <a:pPr lvl="1"/>
-            <a:endParaRPr lang="de-DE" dirty="0" smtClean="0"/>
           </a:p>
         </p:txBody>
       </p:sp>
       <p:pic>
         <p:nvPicPr>
-          <p:cNvPr id="18434" name="Picture 2" descr="D:\Eigene Dokumente\Dokumente\Studium_TH\Mein\GitMeinNeu\ELKOnew\src\Pictos\ich.png"/>
+          <p:cNvPr id="13316" name="Picture 4" descr="https://shop.fbz-koeln.de/wp-content/uploads/2017/08/A1_deutsch_Metacom_1.jpg"/>
           <p:cNvPicPr>
             <a:picLocks noChangeAspect="1" noChangeArrowheads="1"/>
           </p:cNvPicPr>
@@ -4160,8 +4504,8 @@
         </p:blipFill>
         <p:spPr bwMode="auto">
           <a:xfrm>
-            <a:off x="611560" y="4365104"/>
-            <a:ext cx="1440000" cy="1440000"/>
+            <a:off x="285532" y="1114347"/>
+            <a:ext cx="8390924" cy="5915053"/>
           </a:xfrm>
           <a:prstGeom prst="rect">
             <a:avLst/>
@@ -4169,94 +4513,79 @@
           <a:noFill/>
         </p:spPr>
       </p:pic>
-      <p:pic>
-        <p:nvPicPr>
-          <p:cNvPr id="18437" name="Picture 5" descr="D:\Eigene Dokumente\Dokumente\Studium_TH\Mein\GitMeinNeu\ELKOnew\src\Pictos\du.png"/>
-          <p:cNvPicPr>
-            <a:picLocks noChangeAspect="1" noChangeArrowheads="1"/>
-          </p:cNvPicPr>
-          <p:nvPr/>
-        </p:nvPicPr>
-        <p:blipFill>
-          <a:blip r:embed="rId3" cstate="print"/>
-          <a:srcRect/>
-          <a:stretch>
-            <a:fillRect/>
-          </a:stretch>
-        </p:blipFill>
-        <p:spPr bwMode="auto">
-          <a:xfrm>
-            <a:off x="3779912" y="4365104"/>
-            <a:ext cx="1440000" cy="1440000"/>
+      <p:sp>
+        <p:nvSpPr>
+          <p:cNvPr id="4" name="Rechteck 3"/>
+          <p:cNvSpPr/>
+          <p:nvPr/>
+        </p:nvSpPr>
+        <p:spPr>
+          <a:xfrm>
+            <a:off x="2843808" y="2924944"/>
+            <a:ext cx="3240360" cy="2736304"/>
           </a:xfrm>
           <a:prstGeom prst="rect">
             <a:avLst/>
           </a:prstGeom>
-          <a:noFill/>
-        </p:spPr>
-      </p:pic>
-      <p:pic>
-        <p:nvPicPr>
-          <p:cNvPr id="18438" name="Picture 6" descr="D:\Eigene Dokumente\Dokumente\Studium_TH\Mein\GitMeinNeu\ELKOnew\src\Pictos\was.png"/>
-          <p:cNvPicPr>
-            <a:picLocks noChangeAspect="1" noChangeArrowheads="1"/>
-          </p:cNvPicPr>
-          <p:nvPr/>
-        </p:nvPicPr>
-        <p:blipFill>
-          <a:blip r:embed="rId4" cstate="print"/>
-          <a:srcRect/>
-          <a:stretch>
-            <a:fillRect/>
-          </a:stretch>
-        </p:blipFill>
-        <p:spPr bwMode="auto">
-          <a:xfrm>
-            <a:off x="5436096" y="4365104"/>
-            <a:ext cx="1440000" cy="1440000"/>
-          </a:xfrm>
-          <a:prstGeom prst="rect">
-            <a:avLst/>
-          </a:prstGeom>
-          <a:noFill/>
-        </p:spPr>
-      </p:pic>
-      <p:pic>
-        <p:nvPicPr>
-          <p:cNvPr id="18439" name="Picture 7" descr="D:\Eigene Dokumente\Dokumente\Studium_TH\Mein\GitMeinNeu\ELKOnew\src\Pictos\Verben\sagen.png"/>
-          <p:cNvPicPr>
-            <a:picLocks noChangeAspect="1" noChangeArrowheads="1"/>
-          </p:cNvPicPr>
-          <p:nvPr/>
-        </p:nvPicPr>
-        <p:blipFill>
-          <a:blip r:embed="rId5" cstate="print"/>
-          <a:srcRect/>
-          <a:stretch>
-            <a:fillRect/>
-          </a:stretch>
-        </p:blipFill>
-        <p:spPr bwMode="auto">
-          <a:xfrm>
-            <a:off x="7092280" y="4365104"/>
-            <a:ext cx="1440000" cy="1440000"/>
-          </a:xfrm>
-          <a:prstGeom prst="rect">
-            <a:avLst/>
-          </a:prstGeom>
-          <a:noFill/>
-        </p:spPr>
-      </p:pic>
-      <p:sp>
-        <p:nvSpPr>
-          <p:cNvPr id="10" name="Textfeld 9"/>
+          <a:solidFill>
+            <a:schemeClr val="accent3">
+              <a:lumMod val="40000"/>
+              <a:lumOff val="60000"/>
+            </a:schemeClr>
+          </a:solidFill>
+          <a:ln w="38100">
+            <a:solidFill>
+              <a:srgbClr val="00B050"/>
+            </a:solidFill>
+          </a:ln>
+        </p:spPr>
+        <p:style>
+          <a:lnRef idx="2">
+            <a:schemeClr val="accent1">
+              <a:shade val="50000"/>
+            </a:schemeClr>
+          </a:lnRef>
+          <a:fillRef idx="1">
+            <a:schemeClr val="accent1"/>
+          </a:fillRef>
+          <a:effectRef idx="0">
+            <a:schemeClr val="accent1"/>
+          </a:effectRef>
+          <a:fontRef idx="minor">
+            <a:schemeClr val="lt1"/>
+          </a:fontRef>
+        </p:style>
+        <p:txBody>
+          <a:bodyPr rtlCol="0" anchor="ctr"/>
+          <a:lstStyle/>
+          <a:p>
+            <a:pPr algn="ctr"/>
+            <a:r>
+              <a:rPr lang="de-DE" dirty="0" smtClean="0">
+                <a:solidFill>
+                  <a:srgbClr val="00B050"/>
+                </a:solidFill>
+              </a:rPr>
+              <a:t>Randvokabular</a:t>
+            </a:r>
+            <a:endParaRPr lang="de-DE" dirty="0">
+              <a:solidFill>
+                <a:srgbClr val="00B050"/>
+              </a:solidFill>
+            </a:endParaRPr>
+          </a:p>
+        </p:txBody>
+      </p:sp>
+      <p:sp>
+        <p:nvSpPr>
+          <p:cNvPr id="5" name="Textfeld 4"/>
           <p:cNvSpPr txBox="1"/>
           <p:nvPr/>
         </p:nvSpPr>
         <p:spPr>
-          <a:xfrm>
-            <a:off x="683568" y="5805264"/>
-            <a:ext cx="7632848" cy="369332"/>
+          <a:xfrm rot="16200000">
+            <a:off x="-643498" y="3603939"/>
+            <a:ext cx="1871338" cy="369332"/>
           </a:xfrm>
           <a:prstGeom prst="rect">
             <a:avLst/>
@@ -4270,44 +4599,103 @@
           <a:lstStyle/>
           <a:p>
             <a:r>
-              <a:rPr lang="de-DE" dirty="0" smtClean="0"/>
-              <a:t>      Ich		möchten	             du                     was		       sagen</a:t>
-            </a:r>
-            <a:endParaRPr lang="de-DE" dirty="0"/>
-          </a:p>
-        </p:txBody>
-      </p:sp>
-      <p:pic>
-        <p:nvPicPr>
-          <p:cNvPr id="18440" name="Picture 8" descr="D:\Eigene Dokumente\Dokumente\Studium_TH\Mein\GitMeinNeu\ELKOnew\src\Pictos\möchte.png"/>
-          <p:cNvPicPr>
-            <a:picLocks noChangeAspect="1" noChangeArrowheads="1"/>
-          </p:cNvPicPr>
-          <p:nvPr/>
-        </p:nvPicPr>
-        <p:blipFill>
-          <a:blip r:embed="rId6" cstate="print"/>
-          <a:srcRect/>
-          <a:stretch>
-            <a:fillRect/>
-          </a:stretch>
-        </p:blipFill>
-        <p:spPr bwMode="auto">
-          <a:xfrm>
-            <a:off x="2195736" y="4365104"/>
-            <a:ext cx="1440000" cy="1440000"/>
-          </a:xfrm>
-          <a:prstGeom prst="rect">
-            <a:avLst/>
-          </a:prstGeom>
-          <a:noFill/>
-        </p:spPr>
-      </p:pic>
+              <a:rPr lang="de-DE" dirty="0" smtClean="0">
+                <a:solidFill>
+                  <a:srgbClr val="0070C0"/>
+                </a:solidFill>
+              </a:rPr>
+              <a:t>Kernvokabular</a:t>
+            </a:r>
+            <a:endParaRPr lang="de-DE" dirty="0">
+              <a:solidFill>
+                <a:srgbClr val="0070C0"/>
+              </a:solidFill>
+            </a:endParaRPr>
+          </a:p>
+        </p:txBody>
+      </p:sp>
+      <p:cxnSp>
+        <p:nvCxnSpPr>
+          <p:cNvPr id="7" name="Gerade Verbindung 6"/>
+          <p:cNvCxnSpPr/>
+          <p:nvPr/>
+        </p:nvCxnSpPr>
+        <p:spPr>
+          <a:xfrm>
+            <a:off x="467544" y="1196752"/>
+            <a:ext cx="0" cy="5472608"/>
+          </a:xfrm>
+          <a:prstGeom prst="line">
+            <a:avLst/>
+          </a:prstGeom>
+          <a:ln w="38100">
+            <a:solidFill>
+              <a:srgbClr val="0070C0"/>
+            </a:solidFill>
+          </a:ln>
+        </p:spPr>
+        <p:style>
+          <a:lnRef idx="1">
+            <a:schemeClr val="accent1"/>
+          </a:lnRef>
+          <a:fillRef idx="0">
+            <a:schemeClr val="accent1"/>
+          </a:fillRef>
+          <a:effectRef idx="0">
+            <a:schemeClr val="accent1"/>
+          </a:effectRef>
+          <a:fontRef idx="minor">
+            <a:schemeClr val="tx1"/>
+          </a:fontRef>
+        </p:style>
+      </p:cxnSp>
+      <p:cxnSp>
+        <p:nvCxnSpPr>
+          <p:cNvPr id="8" name="Gerade Verbindung 7"/>
+          <p:cNvCxnSpPr/>
+          <p:nvPr/>
+        </p:nvCxnSpPr>
+        <p:spPr>
+          <a:xfrm flipV="1">
+            <a:off x="467544" y="1196752"/>
+            <a:ext cx="7920880" cy="8384"/>
+          </a:xfrm>
+          <a:prstGeom prst="line">
+            <a:avLst/>
+          </a:prstGeom>
+          <a:ln w="38100">
+            <a:solidFill>
+              <a:srgbClr val="0070C0"/>
+            </a:solidFill>
+          </a:ln>
+        </p:spPr>
+        <p:style>
+          <a:lnRef idx="1">
+            <a:schemeClr val="accent1"/>
+          </a:lnRef>
+          <a:fillRef idx="0">
+            <a:schemeClr val="accent1"/>
+          </a:fillRef>
+          <a:effectRef idx="0">
+            <a:schemeClr val="accent1"/>
+          </a:effectRef>
+          <a:fontRef idx="minor">
+            <a:schemeClr val="tx1"/>
+          </a:fontRef>
+        </p:style>
+      </p:cxnSp>
     </p:spTree>
   </p:cSld>
   <p:clrMapOvr>
     <a:masterClrMapping/>
   </p:clrMapOvr>
+  <p:timing>
+    <p:tnLst>
+      <p:par>
+        <p:cTn id="1" dur="indefinite" restart="never" nodeType="tmRoot"/>
+      </p:par>
+    </p:tnLst>
+  </p:timing>
 </p:sld>
 </file>
 
@@ -4345,7 +4733,7 @@
           <a:p>
             <a:r>
               <a:rPr lang="de-DE" dirty="0" smtClean="0"/>
-              <a:t>Unsere ELKO</a:t>
+              <a:t>Warum eine Kommunikationstafel?</a:t>
             </a:r>
             <a:endParaRPr lang="de-DE" dirty="0"/>
           </a:p>
@@ -4368,17 +4756,241 @@
           <a:p>
             <a:r>
               <a:rPr lang="de-DE" dirty="0" smtClean="0"/>
-              <a:t>Zugeschnitten auf ein Kind im Grundschulalter</a:t>
+              <a:t>Für Menschen, die… </a:t>
+            </a:r>
+          </a:p>
+          <a:p>
+            <a:pPr marL="731520" lvl="1" indent="-457200">
+              <a:buFont typeface="+mj-lt"/>
+              <a:buAutoNum type="arabicPeriod"/>
+            </a:pPr>
+            <a:r>
+              <a:rPr lang="de-DE" dirty="0" smtClean="0"/>
+              <a:t>dauerhaft nicht über Lautsprache kommunizieren können</a:t>
+            </a:r>
+          </a:p>
+          <a:p>
+            <a:pPr marL="731520" lvl="1" indent="-457200">
+              <a:buFont typeface="+mj-lt"/>
+              <a:buAutoNum type="arabicPeriod"/>
+            </a:pPr>
+            <a:r>
+              <a:rPr lang="de-DE" dirty="0" smtClean="0"/>
+              <a:t>für begrenzte Zeit nicht über Lautsprache kommunizieren können</a:t>
+            </a:r>
+          </a:p>
+          <a:p>
+            <a:pPr marL="731520" lvl="1" indent="-457200">
+              <a:buFont typeface="+mj-lt"/>
+              <a:buAutoNum type="arabicPeriod"/>
+            </a:pPr>
+            <a:r>
+              <a:rPr lang="de-DE" dirty="0" smtClean="0"/>
+              <a:t>die deutsche Sprache (noch) nicht sprechen</a:t>
+            </a:r>
+          </a:p>
+          <a:p>
+            <a:pPr lvl="1">
+              <a:buNone/>
+            </a:pPr>
+            <a:r>
+              <a:rPr lang="de-DE" dirty="0" smtClean="0"/>
+              <a:t>				</a:t>
+            </a:r>
+            <a:r>
+              <a:rPr lang="de-DE" dirty="0" smtClean="0">
+                <a:solidFill>
+                  <a:srgbClr val="C00000"/>
+                </a:solidFill>
+              </a:rPr>
+              <a:t>UND</a:t>
+            </a:r>
+          </a:p>
+          <a:p>
+            <a:pPr lvl="1"/>
+            <a:r>
+              <a:rPr lang="de-DE" dirty="0" smtClean="0"/>
+              <a:t>die Schriftsprache nicht (ausreichend) beherrschen</a:t>
+            </a:r>
+          </a:p>
+          <a:p>
+            <a:pPr lvl="1"/>
+            <a:endParaRPr lang="de-DE" dirty="0" smtClean="0"/>
+          </a:p>
+        </p:txBody>
+      </p:sp>
+      <p:pic>
+        <p:nvPicPr>
+          <p:cNvPr id="18434" name="Picture 2" descr="D:\Eigene Dokumente\Dokumente\Studium_TH\Mein\GitMeinNeu\ELKOnew\src\Pictos\ich.png"/>
+          <p:cNvPicPr>
+            <a:picLocks noChangeAspect="1" noChangeArrowheads="1"/>
+          </p:cNvPicPr>
+          <p:nvPr/>
+        </p:nvPicPr>
+        <p:blipFill>
+          <a:blip r:embed="rId2" cstate="print"/>
+          <a:srcRect/>
+          <a:stretch>
+            <a:fillRect/>
+          </a:stretch>
+        </p:blipFill>
+        <p:spPr bwMode="auto">
+          <a:xfrm>
+            <a:off x="611560" y="4365104"/>
+            <a:ext cx="1440000" cy="1440000"/>
+          </a:xfrm>
+          <a:prstGeom prst="rect">
+            <a:avLst/>
+          </a:prstGeom>
+          <a:noFill/>
+        </p:spPr>
+      </p:pic>
+      <p:pic>
+        <p:nvPicPr>
+          <p:cNvPr id="18437" name="Picture 5" descr="D:\Eigene Dokumente\Dokumente\Studium_TH\Mein\GitMeinNeu\ELKOnew\src\Pictos\du.png"/>
+          <p:cNvPicPr>
+            <a:picLocks noChangeAspect="1" noChangeArrowheads="1"/>
+          </p:cNvPicPr>
+          <p:nvPr/>
+        </p:nvPicPr>
+        <p:blipFill>
+          <a:blip r:embed="rId3" cstate="print"/>
+          <a:srcRect/>
+          <a:stretch>
+            <a:fillRect/>
+          </a:stretch>
+        </p:blipFill>
+        <p:spPr bwMode="auto">
+          <a:xfrm>
+            <a:off x="3779912" y="4365104"/>
+            <a:ext cx="1440000" cy="1440000"/>
+          </a:xfrm>
+          <a:prstGeom prst="rect">
+            <a:avLst/>
+          </a:prstGeom>
+          <a:noFill/>
+        </p:spPr>
+      </p:pic>
+      <p:pic>
+        <p:nvPicPr>
+          <p:cNvPr id="18438" name="Picture 6" descr="D:\Eigene Dokumente\Dokumente\Studium_TH\Mein\GitMeinNeu\ELKOnew\src\Pictos\was.png"/>
+          <p:cNvPicPr>
+            <a:picLocks noChangeAspect="1" noChangeArrowheads="1"/>
+          </p:cNvPicPr>
+          <p:nvPr/>
+        </p:nvPicPr>
+        <p:blipFill>
+          <a:blip r:embed="rId4" cstate="print"/>
+          <a:srcRect/>
+          <a:stretch>
+            <a:fillRect/>
+          </a:stretch>
+        </p:blipFill>
+        <p:spPr bwMode="auto">
+          <a:xfrm>
+            <a:off x="5436096" y="4365104"/>
+            <a:ext cx="1440000" cy="1440000"/>
+          </a:xfrm>
+          <a:prstGeom prst="rect">
+            <a:avLst/>
+          </a:prstGeom>
+          <a:noFill/>
+        </p:spPr>
+      </p:pic>
+      <p:pic>
+        <p:nvPicPr>
+          <p:cNvPr id="18439" name="Picture 7" descr="D:\Eigene Dokumente\Dokumente\Studium_TH\Mein\GitMeinNeu\ELKOnew\src\Pictos\Verben\sagen.png"/>
+          <p:cNvPicPr>
+            <a:picLocks noChangeAspect="1" noChangeArrowheads="1"/>
+          </p:cNvPicPr>
+          <p:nvPr/>
+        </p:nvPicPr>
+        <p:blipFill>
+          <a:blip r:embed="rId5" cstate="print"/>
+          <a:srcRect/>
+          <a:stretch>
+            <a:fillRect/>
+          </a:stretch>
+        </p:blipFill>
+        <p:spPr bwMode="auto">
+          <a:xfrm>
+            <a:off x="7092280" y="4365104"/>
+            <a:ext cx="1440000" cy="1440000"/>
+          </a:xfrm>
+          <a:prstGeom prst="rect">
+            <a:avLst/>
+          </a:prstGeom>
+          <a:noFill/>
+        </p:spPr>
+      </p:pic>
+      <p:sp>
+        <p:nvSpPr>
+          <p:cNvPr id="10" name="Textfeld 9"/>
+          <p:cNvSpPr txBox="1"/>
+          <p:nvPr/>
+        </p:nvSpPr>
+        <p:spPr>
+          <a:xfrm>
+            <a:off x="683568" y="5805264"/>
+            <a:ext cx="7632848" cy="369332"/>
+          </a:xfrm>
+          <a:prstGeom prst="rect">
+            <a:avLst/>
+          </a:prstGeom>
+          <a:noFill/>
+        </p:spPr>
+        <p:txBody>
+          <a:bodyPr wrap="square" rtlCol="0">
+            <a:spAutoFit/>
+          </a:bodyPr>
+          <a:lstStyle/>
+          <a:p>
+            <a:r>
+              <a:rPr lang="de-DE" dirty="0" smtClean="0"/>
+              <a:t>      Ich		möchten	             du                     was		       sagen</a:t>
             </a:r>
             <a:endParaRPr lang="de-DE" dirty="0"/>
           </a:p>
         </p:txBody>
       </p:sp>
+      <p:pic>
+        <p:nvPicPr>
+          <p:cNvPr id="18440" name="Picture 8" descr="D:\Eigene Dokumente\Dokumente\Studium_TH\Mein\GitMeinNeu\ELKOnew\src\Pictos\möchte.png"/>
+          <p:cNvPicPr>
+            <a:picLocks noChangeAspect="1" noChangeArrowheads="1"/>
+          </p:cNvPicPr>
+          <p:nvPr/>
+        </p:nvPicPr>
+        <p:blipFill>
+          <a:blip r:embed="rId6" cstate="print"/>
+          <a:srcRect/>
+          <a:stretch>
+            <a:fillRect/>
+          </a:stretch>
+        </p:blipFill>
+        <p:spPr bwMode="auto">
+          <a:xfrm>
+            <a:off x="2195736" y="4365104"/>
+            <a:ext cx="1440000" cy="1440000"/>
+          </a:xfrm>
+          <a:prstGeom prst="rect">
+            <a:avLst/>
+          </a:prstGeom>
+          <a:noFill/>
+        </p:spPr>
+      </p:pic>
     </p:spTree>
   </p:cSld>
   <p:clrMapOvr>
     <a:masterClrMapping/>
   </p:clrMapOvr>
+  <p:timing>
+    <p:tnLst>
+      <p:par>
+        <p:cTn id="1" dur="indefinite" restart="never" nodeType="tmRoot"/>
+      </p:par>
+    </p:tnLst>
+  </p:timing>
 </p:sld>
 </file>
 
@@ -4415,12 +5027,8 @@
           <a:lstStyle/>
           <a:p>
             <a:r>
-              <a:rPr lang="de-DE" dirty="0" err="1" smtClean="0"/>
-              <a:t>Picto</a:t>
-            </a:r>
-            <a:r>
               <a:rPr lang="de-DE" dirty="0" smtClean="0"/>
-              <a:t>-Sammlungen</a:t>
+              <a:t>Unsere Kommunikationstafel kann:</a:t>
             </a:r>
             <a:endParaRPr lang="de-DE" dirty="0"/>
           </a:p>
@@ -4441,73 +5049,38 @@
           <a:bodyPr/>
           <a:lstStyle/>
           <a:p>
+            <a:pPr lvl="1"/>
             <a:r>
               <a:rPr lang="de-DE" dirty="0" smtClean="0"/>
-              <a:t>Kommerziell: </a:t>
-            </a:r>
-            <a:r>
-              <a:rPr lang="de-DE" dirty="0" err="1" smtClean="0"/>
-              <a:t>Metacom</a:t>
-            </a:r>
+              <a:t>Etwa 25 Wörter Kernvokabular, die ständig sichtbar sind</a:t>
+            </a:r>
+          </a:p>
+          <a:p>
+            <a:pPr lvl="1"/>
             <a:r>
               <a:rPr lang="de-DE" dirty="0" smtClean="0"/>
-              <a:t> und PCS</a:t>
-            </a:r>
-          </a:p>
-          <a:p>
+              <a:t>etwa 200 Wörter aus dem (Kern- und) Randvokabular aufgeteilt auf 14 Kategorien</a:t>
+            </a:r>
+          </a:p>
+          <a:p>
+            <a:pPr lvl="1"/>
             <a:r>
               <a:rPr lang="de-DE" dirty="0" smtClean="0"/>
-              <a:t>Nicht-kommerziell:</a:t>
+              <a:t>Sätze in ganzer Länge ausgeben</a:t>
             </a:r>
           </a:p>
           <a:p>
             <a:pPr lvl="1"/>
             <a:r>
               <a:rPr lang="de-DE" dirty="0" smtClean="0"/>
-              <a:t>ARASAAC</a:t>
-            </a:r>
-          </a:p>
-          <a:p>
-            <a:pPr lvl="1"/>
-            <a:r>
-              <a:rPr lang="de-DE" dirty="0" err="1" smtClean="0"/>
-              <a:t>Mulberry</a:t>
-            </a:r>
-            <a:endParaRPr lang="de-DE" dirty="0" smtClean="0"/>
-          </a:p>
-          <a:p>
-            <a:pPr lvl="1"/>
-            <a:r>
-              <a:rPr lang="de-DE" dirty="0" err="1" smtClean="0"/>
-              <a:t>Sclera</a:t>
-            </a:r>
-            <a:endParaRPr lang="de-DE" dirty="0" smtClean="0"/>
-          </a:p>
-          <a:p>
-            <a:pPr lvl="1"/>
-            <a:r>
-              <a:rPr lang="de-DE" dirty="0" smtClean="0"/>
-              <a:t>Bearbeitung der </a:t>
-            </a:r>
-            <a:r>
-              <a:rPr lang="de-DE" dirty="0" err="1" smtClean="0"/>
-              <a:t>Pictos</a:t>
-            </a:r>
-            <a:r>
-              <a:rPr lang="de-DE" dirty="0" smtClean="0"/>
-              <a:t> mit </a:t>
-            </a:r>
-            <a:r>
-              <a:rPr lang="de-DE" dirty="0" err="1" smtClean="0"/>
-              <a:t>PictoSelector</a:t>
-            </a:r>
-            <a:endParaRPr lang="de-DE" dirty="0"/>
+              <a:t>Wechsel zwischen männlicher und weiblicher Stimme</a:t>
+            </a:r>
           </a:p>
         </p:txBody>
       </p:sp>
       <p:pic>
         <p:nvPicPr>
-          <p:cNvPr id="4" name="Picture 9" descr="D:\Eigene Dokumente\Dokumente\Studium_TH\Mein\GitMeinNeu\ELKOnew\src\Pictos\können.png"/>
+          <p:cNvPr id="9" name="Picture 2" descr="D:\Eigene Dokumente\Dokumente\Studium_TH\Mein\GitMeinNeu\ELKOnew\src\Pictos\ich.png"/>
           <p:cNvPicPr>
             <a:picLocks noChangeAspect="1" noChangeArrowheads="1"/>
           </p:cNvPicPr>
@@ -4522,8 +5095,8 @@
         </p:blipFill>
         <p:spPr bwMode="auto">
           <a:xfrm>
-            <a:off x="1619552" y="4581128"/>
-            <a:ext cx="1080000" cy="1080000"/>
+            <a:off x="2987824" y="4005064"/>
+            <a:ext cx="1440000" cy="1440000"/>
           </a:xfrm>
           <a:prstGeom prst="rect">
             <a:avLst/>
@@ -4533,7 +5106,7 @@
       </p:pic>
       <p:pic>
         <p:nvPicPr>
-          <p:cNvPr id="5" name="Picture 11" descr="D:\Eigene Dokumente\Dokumente\Studium_TH\Mein\GitMeinNeu\ELKOnew\src\Pictos\Aktivitäten\spielen.png"/>
+          <p:cNvPr id="10" name="Picture 9" descr="D:\Eigene Dokumente\Dokumente\Studium_TH\Mein\GitMeinNeu\ELKOnew\src\Pictos\können.png"/>
           <p:cNvPicPr>
             <a:picLocks noChangeAspect="1" noChangeArrowheads="1"/>
           </p:cNvPicPr>
@@ -4548,8 +5121,8 @@
         </p:blipFill>
         <p:spPr bwMode="auto">
           <a:xfrm>
-            <a:off x="6588224" y="4581128"/>
-            <a:ext cx="1080000" cy="1080000"/>
+            <a:off x="1115416" y="4005064"/>
+            <a:ext cx="1440000" cy="1440000"/>
           </a:xfrm>
           <a:prstGeom prst="rect">
             <a:avLst/>
@@ -4559,7 +5132,7 @@
       </p:pic>
       <p:pic>
         <p:nvPicPr>
-          <p:cNvPr id="6" name="Picture 17" descr="D:\Eigene Dokumente\Dokumente\Studium_TH\Mein\GitMeinNeu\ELKOnew\src\Pictos\Adjektive\gleich.png"/>
+          <p:cNvPr id="11" name="Picture 10" descr="D:\Eigene Dokumente\Dokumente\Studium_TH\Mein\GitMeinNeu\ELKOnew\src\Pictos\mit.png"/>
           <p:cNvPicPr>
             <a:picLocks noChangeAspect="1" noChangeArrowheads="1"/>
           </p:cNvPicPr>
@@ -4574,8 +5147,8 @@
         </p:blipFill>
         <p:spPr bwMode="auto">
           <a:xfrm>
-            <a:off x="4932040" y="4581128"/>
-            <a:ext cx="1080000" cy="1080000"/>
+            <a:off x="4715816" y="4005064"/>
+            <a:ext cx="1440000" cy="1440000"/>
           </a:xfrm>
           <a:prstGeom prst="rect">
             <a:avLst/>
@@ -4585,7 +5158,7 @@
       </p:pic>
       <p:pic>
         <p:nvPicPr>
-          <p:cNvPr id="7" name="Picture 2" descr="D:\Eigene Dokumente\Dokumente\Studium_TH\Mein\GitMeinNeu\ELKOnew\src\Pictos\ich.png"/>
+          <p:cNvPr id="12" name="Picture 11" descr="D:\Eigene Dokumente\Dokumente\Studium_TH\Mein\GitMeinNeu\ELKOnew\src\Pictos\Aktivitäten\spielen.png"/>
           <p:cNvPicPr>
             <a:picLocks noChangeAspect="1" noChangeArrowheads="1"/>
           </p:cNvPicPr>
@@ -4600,8 +5173,8 @@
         </p:blipFill>
         <p:spPr bwMode="auto">
           <a:xfrm>
-            <a:off x="3275856" y="4581128"/>
-            <a:ext cx="1080000" cy="1080000"/>
+            <a:off x="6588024" y="4005064"/>
+            <a:ext cx="1440000" cy="1440000"/>
           </a:xfrm>
           <a:prstGeom prst="rect">
             <a:avLst/>
@@ -4611,13 +5184,13 @@
       </p:pic>
       <p:sp>
         <p:nvSpPr>
-          <p:cNvPr id="8" name="Textfeld 7"/>
+          <p:cNvPr id="13" name="Textfeld 12"/>
           <p:cNvSpPr txBox="1"/>
           <p:nvPr/>
         </p:nvSpPr>
         <p:spPr>
           <a:xfrm>
-            <a:off x="1619672" y="5733256"/>
+            <a:off x="1403648" y="5445064"/>
             <a:ext cx="6912768" cy="369332"/>
           </a:xfrm>
           <a:prstGeom prst="rect">
@@ -4633,7 +5206,7 @@
           <a:p>
             <a:r>
               <a:rPr lang="de-DE" dirty="0" smtClean="0"/>
-              <a:t>  dürfen		 ich	            gleich	        spielen</a:t>
+              <a:t>dürfen		ich		mit		spielen</a:t>
             </a:r>
             <a:endParaRPr lang="de-DE" dirty="0"/>
           </a:p>
@@ -4680,8 +5253,12 @@
           <a:lstStyle/>
           <a:p>
             <a:r>
+              <a:rPr lang="de-DE" dirty="0" err="1" smtClean="0"/>
+              <a:t>Picto</a:t>
+            </a:r>
+            <a:r>
               <a:rPr lang="de-DE" dirty="0" smtClean="0"/>
-              <a:t>Unsere Kommunikationstafel kann:</a:t>
+              <a:t>-Sammlungen</a:t>
             </a:r>
             <a:endParaRPr lang="de-DE" dirty="0"/>
           </a:p>
@@ -4702,39 +5279,72 @@
           <a:bodyPr/>
           <a:lstStyle/>
           <a:p>
+            <a:r>
+              <a:rPr lang="de-DE" dirty="0" smtClean="0"/>
+              <a:t>Kommerziell: </a:t>
+            </a:r>
+            <a:r>
+              <a:rPr lang="de-DE" dirty="0" err="1" smtClean="0"/>
+              <a:t>Metacom</a:t>
+            </a:r>
+            <a:r>
+              <a:rPr lang="de-DE" dirty="0" smtClean="0"/>
+              <a:t> und PCS</a:t>
+            </a:r>
+          </a:p>
+          <a:p>
+            <a:r>
+              <a:rPr lang="de-DE" dirty="0" smtClean="0"/>
+              <a:t>Nicht-kommerziell:</a:t>
+            </a:r>
+          </a:p>
+          <a:p>
             <a:pPr lvl="1"/>
             <a:r>
               <a:rPr lang="de-DE" dirty="0" smtClean="0"/>
-              <a:t>Etwa 25 Wörter Kernvokabular, die ständig sichtbar sind</a:t>
+              <a:t>ARASAAC</a:t>
             </a:r>
           </a:p>
           <a:p>
             <a:pPr lvl="1"/>
             <a:r>
+              <a:rPr lang="de-DE" dirty="0" err="1" smtClean="0"/>
+              <a:t>Mulberry</a:t>
+            </a:r>
+            <a:endParaRPr lang="de-DE" dirty="0" smtClean="0"/>
+          </a:p>
+          <a:p>
+            <a:pPr lvl="1"/>
+            <a:r>
+              <a:rPr lang="de-DE" dirty="0" err="1" smtClean="0"/>
+              <a:t>Sclera</a:t>
+            </a:r>
+            <a:endParaRPr lang="de-DE" dirty="0" smtClean="0"/>
+          </a:p>
+          <a:p>
+            <a:r>
               <a:rPr lang="de-DE" dirty="0" smtClean="0"/>
-              <a:t>etwa 200 Wörter aus dem (Kern- und) Randvokabular aufgeteilt auf 14 Kategorien</a:t>
-            </a:r>
-          </a:p>
-          <a:p>
-            <a:pPr lvl="1"/>
+              <a:t>Bearbeitung der </a:t>
+            </a:r>
+            <a:r>
+              <a:rPr lang="de-DE" dirty="0" err="1" smtClean="0"/>
+              <a:t>Pictos</a:t>
+            </a:r>
             <a:r>
               <a:rPr lang="de-DE" dirty="0" smtClean="0"/>
-              <a:t>Sätze in ganzer Länge ausgeben</a:t>
-            </a:r>
-            <a:endParaRPr lang="de-DE" dirty="0" smtClean="0"/>
-          </a:p>
-          <a:p>
-            <a:pPr lvl="1"/>
-            <a:r>
-              <a:rPr lang="de-DE" dirty="0" smtClean="0"/>
-              <a:t>Wechsel zwischen männlicher und weiblicher Stimme</a:t>
-            </a:r>
+              <a:t> mit </a:t>
+            </a:r>
+            <a:r>
+              <a:rPr lang="de-DE" dirty="0" err="1" smtClean="0"/>
+              <a:t>PictoSelector</a:t>
+            </a:r>
+            <a:endParaRPr lang="de-DE" dirty="0"/>
           </a:p>
         </p:txBody>
       </p:sp>
       <p:pic>
         <p:nvPicPr>
-          <p:cNvPr id="9" name="Picture 2" descr="D:\Eigene Dokumente\Dokumente\Studium_TH\Mein\GitMeinNeu\ELKOnew\src\Pictos\ich.png"/>
+          <p:cNvPr id="4" name="Picture 9" descr="D:\Eigene Dokumente\Dokumente\Studium_TH\Mein\GitMeinNeu\ELKOnew\src\Pictos\können.png"/>
           <p:cNvPicPr>
             <a:picLocks noChangeAspect="1" noChangeArrowheads="1"/>
           </p:cNvPicPr>
@@ -4749,7 +5359,7 @@
         </p:blipFill>
         <p:spPr bwMode="auto">
           <a:xfrm>
-            <a:off x="2987824" y="4005064"/>
+            <a:off x="1115616" y="4293096"/>
             <a:ext cx="1440000" cy="1440000"/>
           </a:xfrm>
           <a:prstGeom prst="rect">
@@ -4760,7 +5370,7 @@
       </p:pic>
       <p:pic>
         <p:nvPicPr>
-          <p:cNvPr id="10" name="Picture 9" descr="D:\Eigene Dokumente\Dokumente\Studium_TH\Mein\GitMeinNeu\ELKOnew\src\Pictos\können.png"/>
+          <p:cNvPr id="5" name="Picture 11" descr="D:\Eigene Dokumente\Dokumente\Studium_TH\Mein\GitMeinNeu\ELKOnew\src\Pictos\Aktivitäten\spielen.png"/>
           <p:cNvPicPr>
             <a:picLocks noChangeAspect="1" noChangeArrowheads="1"/>
           </p:cNvPicPr>
@@ -4775,7 +5385,7 @@
         </p:blipFill>
         <p:spPr bwMode="auto">
           <a:xfrm>
-            <a:off x="1115416" y="4005064"/>
+            <a:off x="7164448" y="4293096"/>
             <a:ext cx="1440000" cy="1440000"/>
           </a:xfrm>
           <a:prstGeom prst="rect">
@@ -4786,7 +5396,7 @@
       </p:pic>
       <p:pic>
         <p:nvPicPr>
-          <p:cNvPr id="11" name="Picture 10" descr="D:\Eigene Dokumente\Dokumente\Studium_TH\Mein\GitMeinNeu\ELKOnew\src\Pictos\mit.png"/>
+          <p:cNvPr id="6" name="Picture 17" descr="D:\Eigene Dokumente\Dokumente\Studium_TH\Mein\GitMeinNeu\ELKOnew\src\Pictos\Adjektive\gleich.png"/>
           <p:cNvPicPr>
             <a:picLocks noChangeAspect="1" noChangeArrowheads="1"/>
           </p:cNvPicPr>
@@ -4801,7 +5411,7 @@
         </p:blipFill>
         <p:spPr bwMode="auto">
           <a:xfrm>
-            <a:off x="4715816" y="4005064"/>
+            <a:off x="5148224" y="4293096"/>
             <a:ext cx="1440000" cy="1440000"/>
           </a:xfrm>
           <a:prstGeom prst="rect">
@@ -4812,7 +5422,7 @@
       </p:pic>
       <p:pic>
         <p:nvPicPr>
-          <p:cNvPr id="12" name="Picture 11" descr="D:\Eigene Dokumente\Dokumente\Studium_TH\Mein\GitMeinNeu\ELKOnew\src\Pictos\Aktivitäten\spielen.png"/>
+          <p:cNvPr id="7" name="Picture 2" descr="D:\Eigene Dokumente\Dokumente\Studium_TH\Mein\GitMeinNeu\ELKOnew\src\Pictos\ich.png"/>
           <p:cNvPicPr>
             <a:picLocks noChangeAspect="1" noChangeArrowheads="1"/>
           </p:cNvPicPr>
@@ -4827,7 +5437,7 @@
         </p:blipFill>
         <p:spPr bwMode="auto">
           <a:xfrm>
-            <a:off x="6588024" y="4005064"/>
+            <a:off x="3132000" y="4293096"/>
             <a:ext cx="1440000" cy="1440000"/>
           </a:xfrm>
           <a:prstGeom prst="rect">
@@ -4838,13 +5448,13 @@
       </p:pic>
       <p:sp>
         <p:nvSpPr>
-          <p:cNvPr id="13" name="Textfeld 12"/>
+          <p:cNvPr id="8" name="Textfeld 7"/>
           <p:cNvSpPr txBox="1"/>
           <p:nvPr/>
         </p:nvSpPr>
         <p:spPr>
           <a:xfrm>
-            <a:off x="1403648" y="5445064"/>
+            <a:off x="1619672" y="5733256"/>
             <a:ext cx="6912768" cy="369332"/>
           </a:xfrm>
           <a:prstGeom prst="rect">
@@ -4860,7 +5470,23 @@
           <a:p>
             <a:r>
               <a:rPr lang="de-DE" dirty="0" smtClean="0"/>
-              <a:t>dürfen		ich		mit		spielen</a:t>
+              <a:t>dürfen</a:t>
+            </a:r>
+            <a:r>
+              <a:rPr lang="de-DE" dirty="0" smtClean="0"/>
+              <a:t>		 ich	            </a:t>
+            </a:r>
+            <a:r>
+              <a:rPr lang="de-DE" dirty="0" smtClean="0"/>
+              <a:t>      gleich</a:t>
+            </a:r>
+            <a:r>
+              <a:rPr lang="de-DE" dirty="0" smtClean="0"/>
+              <a:t>	        </a:t>
+            </a:r>
+            <a:r>
+              <a:rPr lang="de-DE" dirty="0" smtClean="0"/>
+              <a:t>           spielen</a:t>
             </a:r>
             <a:endParaRPr lang="de-DE" dirty="0"/>
           </a:p>
@@ -4908,7 +5534,7 @@
           <a:p>
             <a:r>
               <a:rPr lang="de-DE" dirty="0" smtClean="0"/>
-              <a:t>Das könnte noch gemacht werden:</a:t>
+              <a:t>Unsere ELKO</a:t>
             </a:r>
             <a:endParaRPr lang="de-DE" dirty="0"/>
           </a:p>
@@ -4924,69 +5550,27 @@
             <p:ph sz="quarter" idx="1"/>
           </p:nvPr>
         </p:nvSpPr>
-        <p:spPr/>
+        <p:spPr>
+          <a:xfrm>
+            <a:off x="6012160" y="1219200"/>
+            <a:ext cx="2674640" cy="4937760"/>
+          </a:xfrm>
+        </p:spPr>
         <p:txBody>
           <a:bodyPr/>
           <a:lstStyle/>
           <a:p>
             <a:r>
               <a:rPr lang="de-DE" dirty="0" smtClean="0"/>
-              <a:t>Speichern eigener Kategorien und </a:t>
-            </a:r>
-            <a:r>
-              <a:rPr lang="de-DE" dirty="0" err="1" smtClean="0"/>
-              <a:t>Pictos</a:t>
-            </a:r>
-            <a:endParaRPr lang="de-DE" dirty="0" smtClean="0"/>
-          </a:p>
-          <a:p>
-            <a:r>
-              <a:rPr lang="de-DE" dirty="0" smtClean="0"/>
-              <a:t>Eingabe von Wörtern über eine Buchstabentafel</a:t>
-            </a:r>
-          </a:p>
-          <a:p>
-            <a:r>
-              <a:rPr lang="de-DE" dirty="0" smtClean="0"/>
-              <a:t>Berücksichtigung der Grammatik</a:t>
-            </a:r>
-          </a:p>
-          <a:p>
-            <a:r>
-              <a:rPr lang="de-DE" dirty="0" smtClean="0"/>
-              <a:t>Umsetzung als </a:t>
-            </a:r>
-            <a:r>
-              <a:rPr lang="de-DE" dirty="0" err="1" smtClean="0"/>
-              <a:t>Android</a:t>
-            </a:r>
-            <a:r>
-              <a:rPr lang="de-DE" dirty="0" smtClean="0"/>
-              <a:t>/ </a:t>
-            </a:r>
-            <a:r>
-              <a:rPr lang="de-DE" dirty="0" err="1" smtClean="0"/>
-              <a:t>iOS</a:t>
-            </a:r>
-            <a:r>
-              <a:rPr lang="de-DE" dirty="0" smtClean="0"/>
-              <a:t> </a:t>
-            </a:r>
-            <a:r>
-              <a:rPr lang="de-DE" dirty="0" err="1" smtClean="0"/>
-              <a:t>App</a:t>
-            </a:r>
-            <a:endParaRPr lang="de-DE" dirty="0" smtClean="0"/>
-          </a:p>
-          <a:p>
-            <a:pPr lvl="1"/>
-            <a:endParaRPr lang="de-DE" dirty="0" smtClean="0"/>
+              <a:t>Zugeschnitten auf ein Kind im Grundschulalter</a:t>
+            </a:r>
+            <a:endParaRPr lang="de-DE" dirty="0"/>
           </a:p>
         </p:txBody>
       </p:sp>
       <p:pic>
         <p:nvPicPr>
-          <p:cNvPr id="9" name="Picture 16" descr="D:\Eigene Dokumente\Dokumente\Studium_TH\Mein\GitMeinNeu\ELKOnew\src\Pictos\das.png"/>
+          <p:cNvPr id="1026" name="Picture 2" descr="C:\Users\Onland\Dropbox\Vom Handy\IMG-20190715-WA0000.jpg"/>
           <p:cNvPicPr>
             <a:picLocks noChangeAspect="1" noChangeArrowheads="1"/>
           </p:cNvPicPr>
@@ -5001,8 +5585,8 @@
         </p:blipFill>
         <p:spPr bwMode="auto">
           <a:xfrm>
-            <a:off x="1043608" y="4221088"/>
-            <a:ext cx="1440000" cy="1440000"/>
+            <a:off x="611560" y="1124744"/>
+            <a:ext cx="5256584" cy="5256584"/>
           </a:xfrm>
           <a:prstGeom prst="rect">
             <a:avLst/>
@@ -5010,94 +5594,108 @@
           <a:noFill/>
         </p:spPr>
       </p:pic>
-      <p:pic>
-        <p:nvPicPr>
-          <p:cNvPr id="10" name="Picture 17" descr="D:\Eigene Dokumente\Dokumente\Studium_TH\Mein\GitMeinNeu\ELKOnew\src\Pictos\Adjektive\gleich.png"/>
-          <p:cNvPicPr>
-            <a:picLocks noChangeAspect="1" noChangeArrowheads="1"/>
-          </p:cNvPicPr>
-          <p:nvPr/>
-        </p:nvPicPr>
-        <p:blipFill>
-          <a:blip r:embed="rId3" cstate="print"/>
-          <a:srcRect/>
-          <a:stretch>
-            <a:fillRect/>
-          </a:stretch>
-        </p:blipFill>
-        <p:spPr bwMode="auto">
-          <a:xfrm>
-            <a:off x="6516376" y="4221088"/>
-            <a:ext cx="1440000" cy="1440000"/>
+      <p:sp>
+        <p:nvSpPr>
+          <p:cNvPr id="5" name="Rechteck 4"/>
+          <p:cNvSpPr/>
+          <p:nvPr/>
+        </p:nvSpPr>
+        <p:spPr>
+          <a:xfrm>
+            <a:off x="2771800" y="2204864"/>
+            <a:ext cx="3096344" cy="2808312"/>
           </a:xfrm>
           <a:prstGeom prst="rect">
             <a:avLst/>
           </a:prstGeom>
           <a:noFill/>
-        </p:spPr>
-      </p:pic>
-      <p:pic>
-        <p:nvPicPr>
-          <p:cNvPr id="11" name="Picture 18" descr="D:\Eigene Dokumente\Dokumente\Studium_TH\Mein\GitMeinNeu\ELKOnew\src\Pictos\KategorieFragen\machen.png"/>
-          <p:cNvPicPr>
-            <a:picLocks noChangeAspect="1" noChangeArrowheads="1"/>
-          </p:cNvPicPr>
-          <p:nvPr/>
-        </p:nvPicPr>
-        <p:blipFill>
-          <a:blip r:embed="rId4" cstate="print"/>
-          <a:srcRect/>
-          <a:stretch>
-            <a:fillRect/>
-          </a:stretch>
-        </p:blipFill>
-        <p:spPr bwMode="auto">
-          <a:xfrm>
-            <a:off x="2915816" y="4221088"/>
-            <a:ext cx="1440000" cy="1440000"/>
+          <a:ln w="38100">
+            <a:solidFill>
+              <a:srgbClr val="00B050"/>
+            </a:solidFill>
+          </a:ln>
+        </p:spPr>
+        <p:style>
+          <a:lnRef idx="2">
+            <a:schemeClr val="accent1">
+              <a:shade val="50000"/>
+            </a:schemeClr>
+          </a:lnRef>
+          <a:fillRef idx="1">
+            <a:schemeClr val="accent1"/>
+          </a:fillRef>
+          <a:effectRef idx="0">
+            <a:schemeClr val="accent1"/>
+          </a:effectRef>
+          <a:fontRef idx="minor">
+            <a:schemeClr val="lt1"/>
+          </a:fontRef>
+        </p:style>
+        <p:txBody>
+          <a:bodyPr rtlCol="0" anchor="ctr"/>
+          <a:lstStyle/>
+          <a:p>
+            <a:pPr algn="ctr"/>
+            <a:endParaRPr lang="de-DE"/>
+          </a:p>
+        </p:txBody>
+      </p:sp>
+      <p:sp>
+        <p:nvSpPr>
+          <p:cNvPr id="6" name="Rechteck 5"/>
+          <p:cNvSpPr/>
+          <p:nvPr/>
+        </p:nvSpPr>
+        <p:spPr>
+          <a:xfrm>
+            <a:off x="611560" y="2204864"/>
+            <a:ext cx="2088232" cy="4176464"/>
           </a:xfrm>
           <a:prstGeom prst="rect">
             <a:avLst/>
           </a:prstGeom>
           <a:noFill/>
-        </p:spPr>
-      </p:pic>
-      <p:pic>
-        <p:nvPicPr>
-          <p:cNvPr id="12" name="Picture 2" descr="D:\Eigene Dokumente\Dokumente\Studium_TH\Mein\GitMeinNeu\ELKOnew\src\Pictos\ich.png"/>
-          <p:cNvPicPr>
-            <a:picLocks noChangeAspect="1" noChangeArrowheads="1"/>
-          </p:cNvPicPr>
-          <p:nvPr/>
-        </p:nvPicPr>
-        <p:blipFill>
-          <a:blip r:embed="rId5" cstate="print"/>
-          <a:srcRect/>
-          <a:stretch>
-            <a:fillRect/>
-          </a:stretch>
-        </p:blipFill>
-        <p:spPr bwMode="auto">
-          <a:xfrm>
-            <a:off x="4644008" y="4221088"/>
-            <a:ext cx="1440000" cy="1440000"/>
-          </a:xfrm>
-          <a:prstGeom prst="rect">
-            <a:avLst/>
-          </a:prstGeom>
-          <a:noFill/>
-        </p:spPr>
-      </p:pic>
-      <p:sp>
-        <p:nvSpPr>
-          <p:cNvPr id="13" name="Textfeld 12"/>
+          <a:ln w="38100">
+            <a:solidFill>
+              <a:srgbClr val="0070C0"/>
+            </a:solidFill>
+          </a:ln>
+        </p:spPr>
+        <p:style>
+          <a:lnRef idx="2">
+            <a:schemeClr val="accent1">
+              <a:shade val="50000"/>
+            </a:schemeClr>
+          </a:lnRef>
+          <a:fillRef idx="1">
+            <a:schemeClr val="accent1"/>
+          </a:fillRef>
+          <a:effectRef idx="0">
+            <a:schemeClr val="accent1"/>
+          </a:effectRef>
+          <a:fontRef idx="minor">
+            <a:schemeClr val="lt1"/>
+          </a:fontRef>
+        </p:style>
+        <p:txBody>
+          <a:bodyPr rtlCol="0" anchor="ctr"/>
+          <a:lstStyle/>
+          <a:p>
+            <a:pPr algn="ctr"/>
+            <a:endParaRPr lang="de-DE"/>
+          </a:p>
+        </p:txBody>
+      </p:sp>
+      <p:sp>
+        <p:nvSpPr>
+          <p:cNvPr id="7" name="Textfeld 6"/>
           <p:cNvSpPr txBox="1"/>
           <p:nvPr/>
         </p:nvSpPr>
         <p:spPr>
-          <a:xfrm>
-            <a:off x="1331840" y="5723964"/>
-            <a:ext cx="6912768" cy="369332"/>
+          <a:xfrm rot="16200000">
+            <a:off x="-508775" y="3748825"/>
+            <a:ext cx="1871338" cy="369332"/>
           </a:xfrm>
           <a:prstGeom prst="rect">
             <a:avLst/>
@@ -5111,10 +5709,64 @@
           <a:lstStyle/>
           <a:p>
             <a:r>
-              <a:rPr lang="de-DE" dirty="0" smtClean="0"/>
-              <a:t>Das		machen		ich		gleich</a:t>
-            </a:r>
-            <a:endParaRPr lang="de-DE" dirty="0"/>
+              <a:rPr lang="de-DE" dirty="0" smtClean="0">
+                <a:solidFill>
+                  <a:srgbClr val="0070C0"/>
+                </a:solidFill>
+              </a:rPr>
+              <a:t>Kernvokabular</a:t>
+            </a:r>
+            <a:endParaRPr lang="de-DE" dirty="0">
+              <a:solidFill>
+                <a:srgbClr val="0070C0"/>
+              </a:solidFill>
+            </a:endParaRPr>
+          </a:p>
+        </p:txBody>
+      </p:sp>
+      <p:sp>
+        <p:nvSpPr>
+          <p:cNvPr id="8" name="Textfeld 7"/>
+          <p:cNvSpPr txBox="1"/>
+          <p:nvPr/>
+        </p:nvSpPr>
+        <p:spPr>
+          <a:xfrm>
+            <a:off x="3563888" y="5013176"/>
+            <a:ext cx="1871338" cy="646331"/>
+          </a:xfrm>
+          <a:prstGeom prst="rect">
+            <a:avLst/>
+          </a:prstGeom>
+          <a:noFill/>
+        </p:spPr>
+        <p:txBody>
+          <a:bodyPr wrap="square" rtlCol="0">
+            <a:spAutoFit/>
+          </a:bodyPr>
+          <a:lstStyle/>
+          <a:p>
+            <a:r>
+              <a:rPr lang="de-DE" dirty="0" smtClean="0">
+                <a:solidFill>
+                  <a:srgbClr val="0070C0"/>
+                </a:solidFill>
+              </a:rPr>
+              <a:t>(Kern- und) </a:t>
+            </a:r>
+            <a:r>
+              <a:rPr lang="de-DE" dirty="0" smtClean="0">
+                <a:solidFill>
+                  <a:srgbClr val="00B050"/>
+                </a:solidFill>
+              </a:rPr>
+              <a:t>Randvokabular</a:t>
+            </a:r>
+            <a:endParaRPr lang="de-DE" dirty="0">
+              <a:solidFill>
+                <a:srgbClr val="00B050"/>
+              </a:solidFill>
+            </a:endParaRPr>
           </a:p>
         </p:txBody>
       </p:sp>
@@ -5143,9 +5795,119 @@
           <a:chExt cx="0" cy="0"/>
         </a:xfrm>
       </p:grpSpPr>
+      <p:sp>
+        <p:nvSpPr>
+          <p:cNvPr id="2" name="Titel 1"/>
+          <p:cNvSpPr>
+            <a:spLocks noGrp="1"/>
+          </p:cNvSpPr>
+          <p:nvPr>
+            <p:ph type="title"/>
+          </p:nvPr>
+        </p:nvSpPr>
+        <p:spPr/>
+        <p:txBody>
+          <a:bodyPr/>
+          <a:lstStyle/>
+          <a:p>
+            <a:r>
+              <a:rPr lang="de-DE" dirty="0" smtClean="0"/>
+              <a:t>Das könnte noch gemacht werden:</a:t>
+            </a:r>
+            <a:endParaRPr lang="de-DE" dirty="0"/>
+          </a:p>
+        </p:txBody>
+      </p:sp>
+      <p:sp>
+        <p:nvSpPr>
+          <p:cNvPr id="3" name="Inhaltsplatzhalter 2"/>
+          <p:cNvSpPr>
+            <a:spLocks noGrp="1"/>
+          </p:cNvSpPr>
+          <p:nvPr>
+            <p:ph sz="quarter" idx="1"/>
+          </p:nvPr>
+        </p:nvSpPr>
+        <p:spPr/>
+        <p:txBody>
+          <a:bodyPr/>
+          <a:lstStyle/>
+          <a:p>
+            <a:r>
+              <a:rPr lang="de-DE" dirty="0" smtClean="0"/>
+              <a:t>Größere Tafel </a:t>
+            </a:r>
+            <a:r>
+              <a:rPr lang="de-DE" dirty="0" smtClean="0">
+                <a:sym typeface="Wingdings" pitchFamily="2" charset="2"/>
+              </a:rPr>
+              <a:t> größerer aktiver Wortschatz</a:t>
+            </a:r>
+            <a:endParaRPr lang="de-DE" dirty="0" smtClean="0"/>
+          </a:p>
+          <a:p>
+            <a:r>
+              <a:rPr lang="de-DE" dirty="0" smtClean="0"/>
+              <a:t>Speichern </a:t>
+            </a:r>
+            <a:r>
+              <a:rPr lang="de-DE" dirty="0" smtClean="0"/>
+              <a:t>eigener Kategorien und </a:t>
+            </a:r>
+            <a:r>
+              <a:rPr lang="de-DE" dirty="0" err="1" smtClean="0"/>
+              <a:t>Pictos</a:t>
+            </a:r>
+            <a:endParaRPr lang="de-DE" dirty="0" smtClean="0"/>
+          </a:p>
+          <a:p>
+            <a:r>
+              <a:rPr lang="de-DE" dirty="0" smtClean="0"/>
+              <a:t>Eingabe von Wörtern über eine Buchstabentafel</a:t>
+            </a:r>
+          </a:p>
+          <a:p>
+            <a:r>
+              <a:rPr lang="de-DE" dirty="0" smtClean="0"/>
+              <a:t>Berücksichtigung der Grammatik</a:t>
+            </a:r>
+          </a:p>
+          <a:p>
+            <a:r>
+              <a:rPr lang="de-DE" dirty="0" smtClean="0"/>
+              <a:t>Umsetzung als </a:t>
+            </a:r>
+            <a:r>
+              <a:rPr lang="de-DE" dirty="0" err="1" smtClean="0"/>
+              <a:t>Android</a:t>
+            </a:r>
+            <a:r>
+              <a:rPr lang="de-DE" dirty="0" smtClean="0"/>
+              <a:t>/ </a:t>
+            </a:r>
+            <a:r>
+              <a:rPr lang="de-DE" dirty="0" err="1" smtClean="0"/>
+              <a:t>iOS</a:t>
+            </a:r>
+            <a:r>
+              <a:rPr lang="de-DE" dirty="0" smtClean="0"/>
+              <a:t> </a:t>
+            </a:r>
+            <a:r>
+              <a:rPr lang="de-DE" dirty="0" err="1" smtClean="0"/>
+              <a:t>App</a:t>
+            </a:r>
+            <a:endParaRPr lang="de-DE" dirty="0" smtClean="0"/>
+          </a:p>
+          <a:p>
+            <a:pPr lvl="1"/>
+            <a:endParaRPr lang="de-DE" dirty="0" smtClean="0"/>
+          </a:p>
+        </p:txBody>
+      </p:sp>
       <p:pic>
         <p:nvPicPr>
-          <p:cNvPr id="17410" name="Picture 2" descr="D:\Eigene Dokumente\Dokumente\Studium_TH\Mein\GitMeinNeu\ELKOnew\src\Pictos\Floskeln\Danke.png"/>
+          <p:cNvPr id="9" name="Picture 16" descr="D:\Eigene Dokumente\Dokumente\Studium_TH\Mein\GitMeinNeu\ELKOnew\src\Pictos\das.png"/>
           <p:cNvPicPr>
             <a:picLocks noChangeAspect="1" noChangeArrowheads="1"/>
           </p:cNvPicPr>
@@ -5160,8 +5922,8 @@
         </p:blipFill>
         <p:spPr bwMode="auto">
           <a:xfrm>
-            <a:off x="3203848" y="1772816"/>
-            <a:ext cx="2695575" cy="2695575"/>
+            <a:off x="1043608" y="4221088"/>
+            <a:ext cx="1440000" cy="1440000"/>
           </a:xfrm>
           <a:prstGeom prst="rect">
             <a:avLst/>
@@ -5169,16 +5931,94 @@
           <a:noFill/>
         </p:spPr>
       </p:pic>
-      <p:sp>
-        <p:nvSpPr>
-          <p:cNvPr id="5" name="Textfeld 4"/>
+      <p:pic>
+        <p:nvPicPr>
+          <p:cNvPr id="10" name="Picture 17" descr="D:\Eigene Dokumente\Dokumente\Studium_TH\Mein\GitMeinNeu\ELKOnew\src\Pictos\Adjektive\gleich.png"/>
+          <p:cNvPicPr>
+            <a:picLocks noChangeAspect="1" noChangeArrowheads="1"/>
+          </p:cNvPicPr>
+          <p:nvPr/>
+        </p:nvPicPr>
+        <p:blipFill>
+          <a:blip r:embed="rId3" cstate="print"/>
+          <a:srcRect/>
+          <a:stretch>
+            <a:fillRect/>
+          </a:stretch>
+        </p:blipFill>
+        <p:spPr bwMode="auto">
+          <a:xfrm>
+            <a:off x="6516376" y="4221088"/>
+            <a:ext cx="1440000" cy="1440000"/>
+          </a:xfrm>
+          <a:prstGeom prst="rect">
+            <a:avLst/>
+          </a:prstGeom>
+          <a:noFill/>
+        </p:spPr>
+      </p:pic>
+      <p:pic>
+        <p:nvPicPr>
+          <p:cNvPr id="11" name="Picture 18" descr="D:\Eigene Dokumente\Dokumente\Studium_TH\Mein\GitMeinNeu\ELKOnew\src\Pictos\KategorieFragen\machen.png"/>
+          <p:cNvPicPr>
+            <a:picLocks noChangeAspect="1" noChangeArrowheads="1"/>
+          </p:cNvPicPr>
+          <p:nvPr/>
+        </p:nvPicPr>
+        <p:blipFill>
+          <a:blip r:embed="rId4" cstate="print"/>
+          <a:srcRect/>
+          <a:stretch>
+            <a:fillRect/>
+          </a:stretch>
+        </p:blipFill>
+        <p:spPr bwMode="auto">
+          <a:xfrm>
+            <a:off x="2915816" y="4221088"/>
+            <a:ext cx="1440000" cy="1440000"/>
+          </a:xfrm>
+          <a:prstGeom prst="rect">
+            <a:avLst/>
+          </a:prstGeom>
+          <a:noFill/>
+        </p:spPr>
+      </p:pic>
+      <p:pic>
+        <p:nvPicPr>
+          <p:cNvPr id="12" name="Picture 2" descr="D:\Eigene Dokumente\Dokumente\Studium_TH\Mein\GitMeinNeu\ELKOnew\src\Pictos\ich.png"/>
+          <p:cNvPicPr>
+            <a:picLocks noChangeAspect="1" noChangeArrowheads="1"/>
+          </p:cNvPicPr>
+          <p:nvPr/>
+        </p:nvPicPr>
+        <p:blipFill>
+          <a:blip r:embed="rId5" cstate="print"/>
+          <a:srcRect/>
+          <a:stretch>
+            <a:fillRect/>
+          </a:stretch>
+        </p:blipFill>
+        <p:spPr bwMode="auto">
+          <a:xfrm>
+            <a:off x="4644008" y="4221088"/>
+            <a:ext cx="1440000" cy="1440000"/>
+          </a:xfrm>
+          <a:prstGeom prst="rect">
+            <a:avLst/>
+          </a:prstGeom>
+          <a:noFill/>
+        </p:spPr>
+      </p:pic>
+      <p:sp>
+        <p:nvSpPr>
+          <p:cNvPr id="13" name="Textfeld 12"/>
           <p:cNvSpPr txBox="1"/>
           <p:nvPr/>
         </p:nvSpPr>
         <p:spPr>
           <a:xfrm>
-            <a:off x="3851920" y="4581128"/>
-            <a:ext cx="1440160" cy="646331"/>
+            <a:off x="1331840" y="5723964"/>
+            <a:ext cx="6912768" cy="369332"/>
           </a:xfrm>
           <a:prstGeom prst="rect">
             <a:avLst/>
@@ -5192,10 +6032,240 @@
           <a:lstStyle/>
           <a:p>
             <a:r>
-              <a:rPr lang="de-DE" sz="3600" dirty="0" smtClean="0"/>
-              <a:t>Danke</a:t>
-            </a:r>
-            <a:endParaRPr lang="de-DE" sz="3600" dirty="0"/>
+              <a:rPr lang="de-DE" dirty="0" smtClean="0"/>
+              <a:t>Das		machen		ich		gleich</a:t>
+            </a:r>
+            <a:endParaRPr lang="de-DE" dirty="0"/>
+          </a:p>
+        </p:txBody>
+      </p:sp>
+    </p:spTree>
+  </p:cSld>
+  <p:clrMapOvr>
+    <a:masterClrMapping/>
+  </p:clrMapOvr>
+</p:sld>
+</file>
+
+<file path=ppt/slides/slide9.xml><?xml version="1.0" encoding="utf-8"?>
+<p:sld xmlns:a="http://schemas.openxmlformats.org/drawingml/2006/main" xmlns:r="http://schemas.openxmlformats.org/officeDocument/2006/relationships" xmlns:p="http://schemas.openxmlformats.org/presentationml/2006/main">
+  <p:cSld>
+    <p:spTree>
+      <p:nvGrpSpPr>
+        <p:cNvPr id="1" name=""/>
+        <p:cNvGrpSpPr/>
+        <p:nvPr/>
+      </p:nvGrpSpPr>
+      <p:grpSpPr>
+        <a:xfrm>
+          <a:off x="0" y="0"/>
+          <a:ext cx="0" cy="0"/>
+          <a:chOff x="0" y="0"/>
+          <a:chExt cx="0" cy="0"/>
+        </a:xfrm>
+      </p:grpSpPr>
+      <p:sp>
+        <p:nvSpPr>
+          <p:cNvPr id="2" name="Titel 1"/>
+          <p:cNvSpPr>
+            <a:spLocks noGrp="1"/>
+          </p:cNvSpPr>
+          <p:nvPr>
+            <p:ph type="title"/>
+          </p:nvPr>
+        </p:nvSpPr>
+        <p:spPr/>
+        <p:txBody>
+          <a:bodyPr/>
+          <a:lstStyle/>
+          <a:p>
+            <a:endParaRPr lang="de-DE"/>
+          </a:p>
+        </p:txBody>
+      </p:sp>
+      <p:pic>
+        <p:nvPicPr>
+          <p:cNvPr id="2050" name="Picture 2" descr="D:\Eigene Dokumente\Dokumente\Studium_TH\Mein\GitMeinNeu\ELKOnew\src\Pictos\möchte.png"/>
+          <p:cNvPicPr>
+            <a:picLocks noChangeAspect="1" noChangeArrowheads="1"/>
+          </p:cNvPicPr>
+          <p:nvPr/>
+        </p:nvPicPr>
+        <p:blipFill>
+          <a:blip r:embed="rId2" cstate="print"/>
+          <a:srcRect/>
+          <a:stretch>
+            <a:fillRect/>
+          </a:stretch>
+        </p:blipFill>
+        <p:spPr bwMode="auto">
+          <a:xfrm>
+            <a:off x="215896" y="2384864"/>
+            <a:ext cx="1620000" cy="1620000"/>
+          </a:xfrm>
+          <a:prstGeom prst="rect">
+            <a:avLst/>
+          </a:prstGeom>
+          <a:noFill/>
+        </p:spPr>
+      </p:pic>
+      <p:pic>
+        <p:nvPicPr>
+          <p:cNvPr id="2051" name="Picture 3" descr="D:\Eigene Dokumente\Dokumente\Studium_TH\Mein\GitMeinNeu\ELKOnew\src\Pictos\du.png"/>
+          <p:cNvPicPr>
+            <a:picLocks noChangeAspect="1" noChangeArrowheads="1"/>
+          </p:cNvPicPr>
+          <p:nvPr/>
+        </p:nvPicPr>
+        <p:blipFill>
+          <a:blip r:embed="rId3" cstate="print"/>
+          <a:srcRect/>
+          <a:stretch>
+            <a:fillRect/>
+          </a:stretch>
+        </p:blipFill>
+        <p:spPr bwMode="auto">
+          <a:xfrm>
+            <a:off x="2015896" y="2384864"/>
+            <a:ext cx="1620000" cy="1620000"/>
+          </a:xfrm>
+          <a:prstGeom prst="rect">
+            <a:avLst/>
+          </a:prstGeom>
+          <a:noFill/>
+        </p:spPr>
+      </p:pic>
+      <p:pic>
+        <p:nvPicPr>
+          <p:cNvPr id="2052" name="Picture 4" descr="D:\Eigene Dokumente\Dokumente\Studium_TH\Mein\GitMeinNeu\ELKOnew\src\Pictos\noch.png"/>
+          <p:cNvPicPr>
+            <a:picLocks noChangeAspect="1" noChangeArrowheads="1"/>
+          </p:cNvPicPr>
+          <p:nvPr/>
+        </p:nvPicPr>
+        <p:blipFill>
+          <a:blip r:embed="rId4" cstate="print"/>
+          <a:srcRect/>
+          <a:stretch>
+            <a:fillRect/>
+          </a:stretch>
+        </p:blipFill>
+        <p:spPr bwMode="auto">
+          <a:xfrm>
+            <a:off x="3816096" y="2384864"/>
+            <a:ext cx="1620000" cy="1620000"/>
+          </a:xfrm>
+          <a:prstGeom prst="rect">
+            <a:avLst/>
+          </a:prstGeom>
+          <a:noFill/>
+        </p:spPr>
+      </p:pic>
+      <p:pic>
+        <p:nvPicPr>
+          <p:cNvPr id="2053" name="Picture 5" descr="D:\Eigene Dokumente\Dokumente\Studium_TH\Mein\GitMeinNeu\ELKOnew\src\Pictos\was.png"/>
+          <p:cNvPicPr>
+            <a:picLocks noChangeAspect="1" noChangeArrowheads="1"/>
+          </p:cNvPicPr>
+          <p:nvPr/>
+        </p:nvPicPr>
+        <p:blipFill>
+          <a:blip r:embed="rId5" cstate="print"/>
+          <a:srcRect/>
+          <a:stretch>
+            <a:fillRect/>
+          </a:stretch>
+        </p:blipFill>
+        <p:spPr bwMode="auto">
+          <a:xfrm>
+            <a:off x="5616296" y="2385064"/>
+            <a:ext cx="1620000" cy="1620000"/>
+          </a:xfrm>
+          <a:prstGeom prst="rect">
+            <a:avLst/>
+          </a:prstGeom>
+          <a:noFill/>
+        </p:spPr>
+      </p:pic>
+      <p:pic>
+        <p:nvPicPr>
+          <p:cNvPr id="2054" name="Picture 6" descr="D:\Eigene Dokumente\Dokumente\Studium_TH\Mein\GitMeinNeu\ELKOnew\src\Pictos\KategorieFragen\wissen.png"/>
+          <p:cNvPicPr>
+            <a:picLocks noGrp="1" noChangeAspect="1" noChangeArrowheads="1"/>
+          </p:cNvPicPr>
+          <p:nvPr>
+            <p:ph sz="quarter" idx="1"/>
+          </p:nvPr>
+        </p:nvPicPr>
+        <p:blipFill>
+          <a:blip r:embed="rId6" cstate="print"/>
+          <a:srcRect/>
+          <a:stretch>
+            <a:fillRect/>
+          </a:stretch>
+        </p:blipFill>
+        <p:spPr bwMode="auto">
+          <a:xfrm>
+            <a:off x="7416496" y="2384864"/>
+            <a:ext cx="1620000" cy="1620000"/>
+          </a:xfrm>
+          <a:prstGeom prst="rect">
+            <a:avLst/>
+          </a:prstGeom>
+          <a:noFill/>
+        </p:spPr>
+      </p:pic>
+      <p:sp>
+        <p:nvSpPr>
+          <p:cNvPr id="9" name="Textfeld 8"/>
+          <p:cNvSpPr txBox="1"/>
+          <p:nvPr/>
+        </p:nvSpPr>
+        <p:spPr>
+          <a:xfrm>
+            <a:off x="611560" y="4149080"/>
+            <a:ext cx="8352928" cy="369332"/>
+          </a:xfrm>
+          <a:prstGeom prst="rect">
+            <a:avLst/>
+          </a:prstGeom>
+          <a:noFill/>
+        </p:spPr>
+        <p:txBody>
+          <a:bodyPr wrap="square" rtlCol="0">
+            <a:spAutoFit/>
+          </a:bodyPr>
+          <a:lstStyle/>
+          <a:p>
+            <a:r>
+              <a:rPr lang="de-DE" dirty="0" smtClean="0"/>
+              <a:t>möchte</a:t>
+            </a:r>
+            <a:r>
+              <a:rPr lang="de-DE" dirty="0" smtClean="0"/>
+              <a:t>		 </a:t>
+            </a:r>
+            <a:r>
+              <a:rPr lang="de-DE" dirty="0" smtClean="0"/>
+              <a:t>du</a:t>
+            </a:r>
+            <a:r>
+              <a:rPr lang="de-DE" dirty="0" smtClean="0"/>
+              <a:t>	            </a:t>
+            </a:r>
+            <a:r>
+              <a:rPr lang="de-DE" dirty="0" smtClean="0"/>
+              <a:t>   noch</a:t>
+            </a:r>
+            <a:r>
+              <a:rPr lang="de-DE" dirty="0" smtClean="0"/>
+              <a:t>	        </a:t>
+            </a:r>
+            <a:r>
+              <a:rPr lang="de-DE" dirty="0" smtClean="0"/>
+              <a:t>     was		wissen</a:t>
+            </a:r>
+            <a:endParaRPr lang="de-DE" dirty="0"/>
           </a:p>
         </p:txBody>
       </p:sp>
